--- a/SYNOPSYS TOOLS GUIDELINES 1.pptx
+++ b/SYNOPSYS TOOLS GUIDELINES 1.pptx
@@ -5,7 +5,7 @@
     <p:sldMasterId id="2147483648" r:id="rId1"/>
   </p:sldMasterIdLst>
   <p:notesMasterIdLst>
-    <p:notesMasterId r:id="rId25"/>
+    <p:notesMasterId r:id="rId26"/>
   </p:notesMasterIdLst>
   <p:sldIdLst>
     <p:sldId id="256" r:id="rId2"/>
@@ -15,22 +15,23 @@
     <p:sldId id="260" r:id="rId6"/>
     <p:sldId id="261" r:id="rId7"/>
     <p:sldId id="262" r:id="rId8"/>
-    <p:sldId id="263" r:id="rId9"/>
-    <p:sldId id="264" r:id="rId10"/>
-    <p:sldId id="266" r:id="rId11"/>
-    <p:sldId id="267" r:id="rId12"/>
-    <p:sldId id="270" r:id="rId13"/>
-    <p:sldId id="269" r:id="rId14"/>
-    <p:sldId id="268" r:id="rId15"/>
-    <p:sldId id="271" r:id="rId16"/>
-    <p:sldId id="272" r:id="rId17"/>
-    <p:sldId id="273" r:id="rId18"/>
-    <p:sldId id="274" r:id="rId19"/>
-    <p:sldId id="275" r:id="rId20"/>
-    <p:sldId id="276" r:id="rId21"/>
-    <p:sldId id="278" r:id="rId22"/>
-    <p:sldId id="277" r:id="rId23"/>
-    <p:sldId id="265" r:id="rId24"/>
+    <p:sldId id="280" r:id="rId9"/>
+    <p:sldId id="263" r:id="rId10"/>
+    <p:sldId id="264" r:id="rId11"/>
+    <p:sldId id="266" r:id="rId12"/>
+    <p:sldId id="267" r:id="rId13"/>
+    <p:sldId id="270" r:id="rId14"/>
+    <p:sldId id="269" r:id="rId15"/>
+    <p:sldId id="268" r:id="rId16"/>
+    <p:sldId id="271" r:id="rId17"/>
+    <p:sldId id="272" r:id="rId18"/>
+    <p:sldId id="273" r:id="rId19"/>
+    <p:sldId id="274" r:id="rId20"/>
+    <p:sldId id="275" r:id="rId21"/>
+    <p:sldId id="276" r:id="rId22"/>
+    <p:sldId id="278" r:id="rId23"/>
+    <p:sldId id="277" r:id="rId24"/>
+    <p:sldId id="265" r:id="rId25"/>
   </p:sldIdLst>
   <p:sldSz cx="12192000" cy="6858000"/>
   <p:notesSz cx="6858000" cy="9144000"/>
@@ -143,6 +144,7 @@
     <p1510:client id="{06FCC737-A133-97B0-1026-59A9C6407D7C}" v="447" dt="2025-08-16T13:35:45.238"/>
     <p1510:client id="{B54D9BAA-74BD-C411-4BD0-323920DB8460}" v="166" dt="2025-08-16T14:14:34.615"/>
     <p1510:client id="{C07FCB8A-B45B-0F65-379F-12C96A8313B7}" v="8827" dt="2025-08-16T17:19:17.808"/>
+    <p1510:client id="{E0EA1402-2171-4081-1650-317E4491161D}" v="385" dt="2025-08-17T04:19:07.867"/>
   </p1510:revLst>
 </p1510:revInfo>
 </file>
@@ -2003,6 +2005,188 @@
             <pc:docMk/>
             <pc:sldMk cId="291833225" sldId="267"/>
             <ac:picMk id="6" creationId="{573776F8-9878-7E94-7BEF-2C5863DFAFFA}"/>
+          </ac:picMkLst>
+        </pc:picChg>
+      </pc:sldChg>
+    </pc:docChg>
+  </pc:docChgLst>
+  <pc:docChgLst>
+    <pc:chgData name="nguyen phuoc bao tien" userId="ccd4323c845a6274" providerId="Windows Live" clId="Web-{E0EA1402-2171-4081-1650-317E4491161D}"/>
+    <pc:docChg chg="addSld delSld modSld">
+      <pc:chgData name="nguyen phuoc bao tien" userId="ccd4323c845a6274" providerId="Windows Live" clId="Web-{E0EA1402-2171-4081-1650-317E4491161D}" dt="2025-08-17T04:19:07.867" v="215" actId="1076"/>
+      <pc:docMkLst>
+        <pc:docMk/>
+      </pc:docMkLst>
+      <pc:sldChg chg="delSp modSp">
+        <pc:chgData name="nguyen phuoc bao tien" userId="ccd4323c845a6274" providerId="Windows Live" clId="Web-{E0EA1402-2171-4081-1650-317E4491161D}" dt="2025-08-17T04:19:07.867" v="215" actId="1076"/>
+        <pc:sldMkLst>
+          <pc:docMk/>
+          <pc:sldMk cId="3570789968" sldId="263"/>
+        </pc:sldMkLst>
+        <pc:spChg chg="mod">
+          <ac:chgData name="nguyen phuoc bao tien" userId="ccd4323c845a6274" providerId="Windows Live" clId="Web-{E0EA1402-2171-4081-1650-317E4491161D}" dt="2025-08-17T04:19:00.820" v="211" actId="20577"/>
+          <ac:spMkLst>
+            <pc:docMk/>
+            <pc:sldMk cId="3570789968" sldId="263"/>
+            <ac:spMk id="5" creationId="{0966F967-A283-554F-0F3A-5F423AF680A1}"/>
+          </ac:spMkLst>
+        </pc:spChg>
+        <pc:spChg chg="mod">
+          <ac:chgData name="nguyen phuoc bao tien" userId="ccd4323c845a6274" providerId="Windows Live" clId="Web-{E0EA1402-2171-4081-1650-317E4491161D}" dt="2025-08-17T04:19:04.179" v="212" actId="1076"/>
+          <ac:spMkLst>
+            <pc:docMk/>
+            <pc:sldMk cId="3570789968" sldId="263"/>
+            <ac:spMk id="12" creationId="{F209DFA4-756F-438D-C8A3-9DCD0397F64C}"/>
+          </ac:spMkLst>
+        </pc:spChg>
+        <pc:picChg chg="del">
+          <ac:chgData name="nguyen phuoc bao tien" userId="ccd4323c845a6274" providerId="Windows Live" clId="Web-{E0EA1402-2171-4081-1650-317E4491161D}" dt="2025-08-17T04:18:57.617" v="209"/>
+          <ac:picMkLst>
+            <pc:docMk/>
+            <pc:sldMk cId="3570789968" sldId="263"/>
+            <ac:picMk id="11" creationId="{9960221D-7CEC-C896-21F6-06F014AD5904}"/>
+          </ac:picMkLst>
+        </pc:picChg>
+        <pc:picChg chg="mod">
+          <ac:chgData name="nguyen phuoc bao tien" userId="ccd4323c845a6274" providerId="Windows Live" clId="Web-{E0EA1402-2171-4081-1650-317E4491161D}" dt="2025-08-17T04:19:07.867" v="215" actId="1076"/>
+          <ac:picMkLst>
+            <pc:docMk/>
+            <pc:sldMk cId="3570789968" sldId="263"/>
+            <ac:picMk id="16" creationId="{C41C8421-4539-B76C-038B-83D7A0C2EAE1}"/>
+          </ac:picMkLst>
+        </pc:picChg>
+      </pc:sldChg>
+      <pc:sldChg chg="addSp modSp new del">
+        <pc:chgData name="nguyen phuoc bao tien" userId="ccd4323c845a6274" providerId="Windows Live" clId="Web-{E0EA1402-2171-4081-1650-317E4491161D}" dt="2025-08-17T04:09:54.110" v="8"/>
+        <pc:sldMkLst>
+          <pc:docMk/>
+          <pc:sldMk cId="2340659660" sldId="279"/>
+        </pc:sldMkLst>
+        <pc:spChg chg="mod">
+          <ac:chgData name="nguyen phuoc bao tien" userId="ccd4323c845a6274" providerId="Windows Live" clId="Web-{E0EA1402-2171-4081-1650-317E4491161D}" dt="2025-08-17T04:06:18.679" v="6" actId="1076"/>
+          <ac:spMkLst>
+            <pc:docMk/>
+            <pc:sldMk cId="2340659660" sldId="279"/>
+            <ac:spMk id="2" creationId="{E5CC974B-6533-1164-FF54-E2DE9B832E42}"/>
+          </ac:spMkLst>
+        </pc:spChg>
+        <pc:picChg chg="add mod">
+          <ac:chgData name="nguyen phuoc bao tien" userId="ccd4323c845a6274" providerId="Windows Live" clId="Web-{E0EA1402-2171-4081-1650-317E4491161D}" dt="2025-08-17T04:06:11.320" v="2" actId="1076"/>
+          <ac:picMkLst>
+            <pc:docMk/>
+            <pc:sldMk cId="2340659660" sldId="279"/>
+            <ac:picMk id="4" creationId="{B78CEB19-E2C8-03E4-F173-6A525BA04337}"/>
+          </ac:picMkLst>
+        </pc:picChg>
+      </pc:sldChg>
+      <pc:sldChg chg="addSp delSp modSp add replId">
+        <pc:chgData name="nguyen phuoc bao tien" userId="ccd4323c845a6274" providerId="Windows Live" clId="Web-{E0EA1402-2171-4081-1650-317E4491161D}" dt="2025-08-17T04:18:51.616" v="208" actId="1076"/>
+        <pc:sldMkLst>
+          <pc:docMk/>
+          <pc:sldMk cId="3780538853" sldId="280"/>
+        </pc:sldMkLst>
+        <pc:spChg chg="del">
+          <ac:chgData name="nguyen phuoc bao tien" userId="ccd4323c845a6274" providerId="Windows Live" clId="Web-{E0EA1402-2171-4081-1650-317E4491161D}" dt="2025-08-17T04:10:03.720" v="16"/>
+          <ac:spMkLst>
+            <pc:docMk/>
+            <pc:sldMk cId="3780538853" sldId="280"/>
+            <ac:spMk id="3" creationId="{F749C8D8-3353-EB81-E3B3-46B92F953FFF}"/>
+          </ac:spMkLst>
+        </pc:spChg>
+        <pc:spChg chg="mod">
+          <ac:chgData name="nguyen phuoc bao tien" userId="ccd4323c845a6274" providerId="Windows Live" clId="Web-{E0EA1402-2171-4081-1650-317E4491161D}" dt="2025-08-17T04:12:56.727" v="170" actId="20577"/>
+          <ac:spMkLst>
+            <pc:docMk/>
+            <pc:sldMk cId="3780538853" sldId="280"/>
+            <ac:spMk id="5" creationId="{D8E37D01-C16F-E57D-507A-7B0A9F53518C}"/>
+          </ac:spMkLst>
+        </pc:spChg>
+        <pc:spChg chg="del">
+          <ac:chgData name="nguyen phuoc bao tien" userId="ccd4323c845a6274" providerId="Windows Live" clId="Web-{E0EA1402-2171-4081-1650-317E4491161D}" dt="2025-08-17T04:10:00.470" v="10"/>
+          <ac:spMkLst>
+            <pc:docMk/>
+            <pc:sldMk cId="3780538853" sldId="280"/>
+            <ac:spMk id="8" creationId="{B41900D8-2D8E-A87A-2461-149D74EFD654}"/>
+          </ac:spMkLst>
+        </pc:spChg>
+        <pc:spChg chg="del">
+          <ac:chgData name="nguyen phuoc bao tien" userId="ccd4323c845a6274" providerId="Windows Live" clId="Web-{E0EA1402-2171-4081-1650-317E4491161D}" dt="2025-08-17T04:10:03.720" v="15"/>
+          <ac:spMkLst>
+            <pc:docMk/>
+            <pc:sldMk cId="3780538853" sldId="280"/>
+            <ac:spMk id="9" creationId="{1FCFF0DE-CD08-3B21-3A3F-FA0E0C8790C3}"/>
+          </ac:spMkLst>
+        </pc:spChg>
+        <pc:spChg chg="add mod">
+          <ac:chgData name="nguyen phuoc bao tien" userId="ccd4323c845a6274" providerId="Windows Live" clId="Web-{E0EA1402-2171-4081-1650-317E4491161D}" dt="2025-08-17T04:13:44.073" v="203" actId="1076"/>
+          <ac:spMkLst>
+            <pc:docMk/>
+            <pc:sldMk cId="3780538853" sldId="280"/>
+            <ac:spMk id="11" creationId="{B8CFFF44-4F57-AFA3-9603-B1617134F594}"/>
+          </ac:spMkLst>
+        </pc:spChg>
+        <pc:spChg chg="del">
+          <ac:chgData name="nguyen phuoc bao tien" userId="ccd4323c845a6274" providerId="Windows Live" clId="Web-{E0EA1402-2171-4081-1650-317E4491161D}" dt="2025-08-17T04:10:03.720" v="13"/>
+          <ac:spMkLst>
+            <pc:docMk/>
+            <pc:sldMk cId="3780538853" sldId="280"/>
+            <ac:spMk id="20" creationId="{A15F186E-DCD4-9403-78DE-860C6C1A7E61}"/>
+          </ac:spMkLst>
+        </pc:spChg>
+        <pc:spChg chg="del">
+          <ac:chgData name="nguyen phuoc bao tien" userId="ccd4323c845a6274" providerId="Windows Live" clId="Web-{E0EA1402-2171-4081-1650-317E4491161D}" dt="2025-08-17T04:10:03.720" v="12"/>
+          <ac:spMkLst>
+            <pc:docMk/>
+            <pc:sldMk cId="3780538853" sldId="280"/>
+            <ac:spMk id="21" creationId="{102C9BEC-DE3F-DF70-3C14-3D7117E03EB6}"/>
+          </ac:spMkLst>
+        </pc:spChg>
+        <pc:spChg chg="del">
+          <ac:chgData name="nguyen phuoc bao tien" userId="ccd4323c845a6274" providerId="Windows Live" clId="Web-{E0EA1402-2171-4081-1650-317E4491161D}" dt="2025-08-17T04:10:03.720" v="11"/>
+          <ac:spMkLst>
+            <pc:docMk/>
+            <pc:sldMk cId="3780538853" sldId="280"/>
+            <ac:spMk id="22" creationId="{BB31B86D-4E37-48DA-C446-6670278368D6}"/>
+          </ac:spMkLst>
+        </pc:spChg>
+        <pc:picChg chg="del">
+          <ac:chgData name="nguyen phuoc bao tien" userId="ccd4323c845a6274" providerId="Windows Live" clId="Web-{E0EA1402-2171-4081-1650-317E4491161D}" dt="2025-08-17T04:09:57.438" v="9"/>
+          <ac:picMkLst>
+            <pc:docMk/>
+            <pc:sldMk cId="3780538853" sldId="280"/>
+            <ac:picMk id="6" creationId="{0585127E-5389-9E19-20D6-95461D9523ED}"/>
+          </ac:picMkLst>
+        </pc:picChg>
+        <pc:picChg chg="add mod">
+          <ac:chgData name="nguyen phuoc bao tien" userId="ccd4323c845a6274" providerId="Windows Live" clId="Web-{E0EA1402-2171-4081-1650-317E4491161D}" dt="2025-08-17T04:13:16.728" v="181" actId="1076"/>
+          <ac:picMkLst>
+            <pc:docMk/>
+            <pc:sldMk cId="3780538853" sldId="280"/>
+            <ac:picMk id="7" creationId="{5859E247-8CC3-2A52-4F3F-775B4F8A3E0E}"/>
+          </ac:picMkLst>
+        </pc:picChg>
+        <pc:picChg chg="add mod">
+          <ac:chgData name="nguyen phuoc bao tien" userId="ccd4323c845a6274" providerId="Windows Live" clId="Web-{E0EA1402-2171-4081-1650-317E4491161D}" dt="2025-08-17T04:18:51.616" v="208" actId="1076"/>
+          <ac:picMkLst>
+            <pc:docMk/>
+            <pc:sldMk cId="3780538853" sldId="280"/>
+            <ac:picMk id="10" creationId="{A186B98E-390B-6467-8722-EEC5E52EA905}"/>
+          </ac:picMkLst>
+        </pc:picChg>
+        <pc:picChg chg="add mod">
+          <ac:chgData name="nguyen phuoc bao tien" userId="ccd4323c845a6274" providerId="Windows Live" clId="Web-{E0EA1402-2171-4081-1650-317E4491161D}" dt="2025-08-17T04:13:54.229" v="207" actId="1076"/>
+          <ac:picMkLst>
+            <pc:docMk/>
+            <pc:sldMk cId="3780538853" sldId="280"/>
+            <ac:picMk id="12" creationId="{E11B1052-988F-2D74-D8B4-CE2C0596F5B2}"/>
+          </ac:picMkLst>
+        </pc:picChg>
+        <pc:picChg chg="del">
+          <ac:chgData name="nguyen phuoc bao tien" userId="ccd4323c845a6274" providerId="Windows Live" clId="Web-{E0EA1402-2171-4081-1650-317E4491161D}" dt="2025-08-17T04:10:03.720" v="14"/>
+          <ac:picMkLst>
+            <pc:docMk/>
+            <pc:sldMk cId="3780538853" sldId="280"/>
+            <ac:picMk id="17" creationId="{E7BCA9ED-04B2-50E8-FA3B-60C06C81C545}"/>
           </ac:picMkLst>
         </pc:picChg>
       </pc:sldChg>
@@ -10287,7 +10471,7 @@
         <p:cNvPr id="1" name="">
           <a:extLst>
             <a:ext uri="{FF2B5EF4-FFF2-40B4-BE49-F238E27FC236}">
-              <a16:creationId xmlns:a16="http://schemas.microsoft.com/office/drawing/2014/main" id="{57ED2760-3259-28CC-8245-32CF7F12A36B}"/>
+              <a16:creationId xmlns:a16="http://schemas.microsoft.com/office/drawing/2014/main" id="{AA2C4195-F73E-886E-AA68-E4A7123EDEC4}"/>
             </a:ext>
           </a:extLst>
         </p:cNvPr>
@@ -10307,7 +10491,7 @@
           <p:cNvPr id="2" name="Title 1">
             <a:extLst>
               <a:ext uri="{FF2B5EF4-FFF2-40B4-BE49-F238E27FC236}">
-                <a16:creationId xmlns:a16="http://schemas.microsoft.com/office/drawing/2014/main" id="{3C3E8C9C-1AAC-1183-D047-F305A30D45E7}"/>
+                <a16:creationId xmlns:a16="http://schemas.microsoft.com/office/drawing/2014/main" id="{AC9EF7EC-7121-D207-BD5E-F5D1B1F849AC}"/>
               </a:ext>
             </a:extLst>
           </p:cNvPr>
@@ -10357,7 +10541,7 @@
           <p:cNvPr id="5" name="TextBox 4">
             <a:extLst>
               <a:ext uri="{FF2B5EF4-FFF2-40B4-BE49-F238E27FC236}">
-                <a16:creationId xmlns:a16="http://schemas.microsoft.com/office/drawing/2014/main" id="{07B385EE-CEA5-0E99-08D4-50D4B08E4AEF}"/>
+                <a16:creationId xmlns:a16="http://schemas.microsoft.com/office/drawing/2014/main" id="{A02EC4E2-0D64-ECDD-8DAE-4CC7ED700BBB}"/>
               </a:ext>
             </a:extLst>
           </p:cNvPr>
@@ -10367,7 +10551,7 @@
         <p:spPr>
           <a:xfrm>
             <a:off x="163286" y="805543"/>
-            <a:ext cx="11812813" cy="465384"/>
+            <a:ext cx="11812813" cy="872034"/>
           </a:xfrm>
           <a:prstGeom prst="rect">
             <a:avLst/>
@@ -10375,7 +10559,7 @@
           <a:noFill/>
         </p:spPr>
         <p:txBody>
-          <a:bodyPr wrap="square" lIns="91440" tIns="45720" rIns="91440" bIns="45720" rtlCol="0" anchor="t">
+          <a:bodyPr wrap="square" rtlCol="0">
             <a:spAutoFit/>
           </a:bodyPr>
           <a:lstStyle/>
@@ -10386,41 +10570,26 @@
               </a:lnSpc>
             </a:pPr>
             <a:r>
-              <a:rPr lang="vi-VN" b="1" err="1">
-                <a:latin typeface="Arial"/>
-                <a:cs typeface="Arial"/>
+              <a:rPr lang="vi-VN" b="1">
+                <a:latin typeface="Arial" panose="020B0604020202020204" pitchFamily="34" charset="0"/>
+                <a:cs typeface="Arial" panose="020B0604020202020204" pitchFamily="34" charset="0"/>
               </a:rPr>
-              <a:t>Custom</a:t>
-            </a:r>
-            <a:r>
-              <a:rPr lang="vi-VN" b="1">
-                <a:latin typeface="Arial"/>
-                <a:cs typeface="Arial"/>
+              <a:t>Layout Design</a:t>
+            </a:r>
+          </a:p>
+          <a:p>
+            <a:pPr>
+              <a:lnSpc>
+                <a:spcPct val="150000"/>
+              </a:lnSpc>
+            </a:pPr>
+            <a:r>
+              <a:rPr lang="vi-VN">
+                <a:latin typeface="Arial" panose="020B0604020202020204" pitchFamily="34" charset="0"/>
+                <a:cs typeface="Arial" panose="020B0604020202020204" pitchFamily="34" charset="0"/>
               </a:rPr>
-              <a:t> </a:t>
-            </a:r>
-            <a:r>
-              <a:rPr lang="vi-VN" b="1" err="1">
-                <a:latin typeface="Arial"/>
-                <a:cs typeface="Arial"/>
-              </a:rPr>
-              <a:t>compiler</a:t>
-            </a:r>
-            <a:r>
-              <a:rPr lang="vi-VN" b="1">
-                <a:latin typeface="Arial"/>
-                <a:cs typeface="Arial"/>
-              </a:rPr>
-              <a:t> </a:t>
-            </a:r>
-            <a:r>
-              <a:rPr lang="vi-VN" b="1" err="1">
-                <a:latin typeface="Arial"/>
-                <a:cs typeface="Arial"/>
-              </a:rPr>
-              <a:t>guideline</a:t>
-            </a:r>
-            <a:endParaRPr lang="en-US" err="1"/>
+              <a:t>After create the schematic of a cell, choose Tools → SDL to generate the layout view</a:t>
+            </a:r>
           </a:p>
         </p:txBody>
       </p:sp>
@@ -10429,7 +10598,7 @@
           <p:cNvPr id="3" name="Slide Number Placeholder 2">
             <a:extLst>
               <a:ext uri="{FF2B5EF4-FFF2-40B4-BE49-F238E27FC236}">
-                <a16:creationId xmlns:a16="http://schemas.microsoft.com/office/drawing/2014/main" id="{3DDE6747-849A-E8E2-9125-CF9F9D2297F9}"/>
+                <a16:creationId xmlns:a16="http://schemas.microsoft.com/office/drawing/2014/main" id="{4C6F42B3-54FC-621B-ADAB-C731B9C9FD04}"/>
               </a:ext>
             </a:extLst>
           </p:cNvPr>
@@ -10455,10 +10624,10 @@
       </p:sp>
       <p:pic>
         <p:nvPicPr>
-          <p:cNvPr id="4" name="Picture 3" descr="A computer screen shot of a computer screen&#10;&#10;AI-generated content may be incorrect.">
-            <a:extLst>
-              <a:ext uri="{FF2B5EF4-FFF2-40B4-BE49-F238E27FC236}">
-                <a16:creationId xmlns:a16="http://schemas.microsoft.com/office/drawing/2014/main" id="{9A22B0D9-D915-AC1C-3B30-F5555FBD354F}"/>
+          <p:cNvPr id="9" name="Picture 8" descr="A computer screen shot of a computer program&#10;&#10;AI-generated content may be incorrect.">
+            <a:extLst>
+              <a:ext uri="{FF2B5EF4-FFF2-40B4-BE49-F238E27FC236}">
+                <a16:creationId xmlns:a16="http://schemas.microsoft.com/office/drawing/2014/main" id="{7DB58EB1-552D-4088-0A4F-6F1789D6272A}"/>
               </a:ext>
             </a:extLst>
           </p:cNvPr>
@@ -10468,15 +10637,21 @@
           <p:nvPr/>
         </p:nvPicPr>
         <p:blipFill>
-          <a:blip r:embed="rId2"/>
+          <a:blip r:embed="rId2">
+            <a:extLst>
+              <a:ext uri="{28A0092B-C50C-407E-A947-70E740481C1C}">
+                <a14:useLocalDpi xmlns:a14="http://schemas.microsoft.com/office/drawing/2010/main" val="0"/>
+              </a:ext>
+            </a:extLst>
+          </a:blip>
           <a:stretch>
             <a:fillRect/>
           </a:stretch>
         </p:blipFill>
         <p:spPr>
           <a:xfrm>
-            <a:off x="3943350" y="1421130"/>
-            <a:ext cx="8204200" cy="4269740"/>
+            <a:off x="254000" y="1762125"/>
+            <a:ext cx="5294972" cy="3876676"/>
           </a:xfrm>
           <a:prstGeom prst="rect">
             <a:avLst/>
@@ -10485,10 +10660,10 @@
       </p:pic>
       <p:sp>
         <p:nvSpPr>
-          <p:cNvPr id="7" name="Rectangle 6">
-            <a:extLst>
-              <a:ext uri="{FF2B5EF4-FFF2-40B4-BE49-F238E27FC236}">
-                <a16:creationId xmlns:a16="http://schemas.microsoft.com/office/drawing/2014/main" id="{CD9CD6C3-51A2-FDA3-BB06-6C001D0970EE}"/>
+          <p:cNvPr id="10" name="Rectangle: Rounded Corners 9">
+            <a:extLst>
+              <a:ext uri="{FF2B5EF4-FFF2-40B4-BE49-F238E27FC236}">
+                <a16:creationId xmlns:a16="http://schemas.microsoft.com/office/drawing/2014/main" id="{9D574E83-C9D3-AFA2-D11C-C89C95E0389E}"/>
               </a:ext>
             </a:extLst>
           </p:cNvPr>
@@ -10497,16 +10672,16 @@
         </p:nvSpPr>
         <p:spPr>
           <a:xfrm>
-            <a:off x="11215511" y="1979083"/>
-            <a:ext cx="918209" cy="3711222"/>
-          </a:xfrm>
-          <a:prstGeom prst="rect">
+            <a:off x="254000" y="2694938"/>
+            <a:ext cx="1299754" cy="212854"/>
+          </a:xfrm>
+          <a:prstGeom prst="roundRect">
             <a:avLst/>
           </a:prstGeom>
           <a:noFill/>
-          <a:ln w="28575">
+          <a:ln w="38100">
             <a:solidFill>
-              <a:srgbClr val="FF0000"/>
+              <a:srgbClr val="FFC000"/>
             </a:solidFill>
           </a:ln>
         </p:spPr>
@@ -10537,10 +10712,10 @@
       </p:sp>
       <p:sp>
         <p:nvSpPr>
-          <p:cNvPr id="8" name="Rectangle 7">
-            <a:extLst>
-              <a:ext uri="{FF2B5EF4-FFF2-40B4-BE49-F238E27FC236}">
-                <a16:creationId xmlns:a16="http://schemas.microsoft.com/office/drawing/2014/main" id="{CB9D32D7-7AE9-DD51-9E12-1B449CB33FDB}"/>
+          <p:cNvPr id="13" name="Arrow: Right 12">
+            <a:extLst>
+              <a:ext uri="{FF2B5EF4-FFF2-40B4-BE49-F238E27FC236}">
+                <a16:creationId xmlns:a16="http://schemas.microsoft.com/office/drawing/2014/main" id="{BB4C6F8E-D164-5A10-7B3E-1918F91D7E3A}"/>
               </a:ext>
             </a:extLst>
           </p:cNvPr>
@@ -10549,18 +10724,12 @@
         </p:nvSpPr>
         <p:spPr>
           <a:xfrm>
-            <a:off x="4065411" y="1979083"/>
-            <a:ext cx="867409" cy="2606322"/>
-          </a:xfrm>
-          <a:prstGeom prst="rect">
+            <a:off x="5806955" y="3144929"/>
+            <a:ext cx="768096" cy="872034"/>
+          </a:xfrm>
+          <a:prstGeom prst="rightArrow">
             <a:avLst/>
           </a:prstGeom>
-          <a:noFill/>
-          <a:ln w="28575">
-            <a:solidFill>
-              <a:schemeClr val="accent5"/>
-            </a:solidFill>
-          </a:ln>
         </p:spPr>
         <p:style>
           <a:lnRef idx="2">
@@ -10587,12 +10756,265 @@
           </a:p>
         </p:txBody>
       </p:sp>
+      <p:pic>
+        <p:nvPicPr>
+          <p:cNvPr id="18" name="Picture 17" descr="A computer screen shot of a black screen&#10;&#10;AI-generated content may be incorrect.">
+            <a:extLst>
+              <a:ext uri="{FF2B5EF4-FFF2-40B4-BE49-F238E27FC236}">
+                <a16:creationId xmlns:a16="http://schemas.microsoft.com/office/drawing/2014/main" id="{F6B113B2-9BEF-607B-2F4C-154E9E3122DF}"/>
+              </a:ext>
+            </a:extLst>
+          </p:cNvPr>
+          <p:cNvPicPr>
+            <a:picLocks noChangeAspect="1"/>
+          </p:cNvPicPr>
+          <p:nvPr/>
+        </p:nvPicPr>
+        <p:blipFill>
+          <a:blip r:embed="rId3">
+            <a:extLst>
+              <a:ext uri="{28A0092B-C50C-407E-A947-70E740481C1C}">
+                <a14:useLocalDpi xmlns:a14="http://schemas.microsoft.com/office/drawing/2010/main" val="0"/>
+              </a:ext>
+            </a:extLst>
+          </a:blip>
+          <a:stretch>
+            <a:fillRect/>
+          </a:stretch>
+        </p:blipFill>
+        <p:spPr>
+          <a:xfrm>
+            <a:off x="6833035" y="1762429"/>
+            <a:ext cx="4816658" cy="3876372"/>
+          </a:xfrm>
+          <a:prstGeom prst="rect">
+            <a:avLst/>
+          </a:prstGeom>
+        </p:spPr>
+      </p:pic>
+    </p:spTree>
+    <p:extLst>
+      <p:ext uri="{BB962C8B-B14F-4D97-AF65-F5344CB8AC3E}">
+        <p14:creationId xmlns:p14="http://schemas.microsoft.com/office/powerpoint/2010/main" val="3177741533"/>
+      </p:ext>
+    </p:extLst>
+  </p:cSld>
+  <p:clrMapOvr>
+    <a:masterClrMapping/>
+  </p:clrMapOvr>
+</p:sld>
+</file>
+
+<file path=ppt/slides/slide11.xml><?xml version="1.0" encoding="utf-8"?>
+<p:sld xmlns:a="http://schemas.openxmlformats.org/drawingml/2006/main" xmlns:r="http://schemas.openxmlformats.org/officeDocument/2006/relationships" xmlns:p="http://schemas.openxmlformats.org/presentationml/2006/main">
+  <p:cSld>
+    <p:spTree>
+      <p:nvGrpSpPr>
+        <p:cNvPr id="1" name="">
+          <a:extLst>
+            <a:ext uri="{FF2B5EF4-FFF2-40B4-BE49-F238E27FC236}">
+              <a16:creationId xmlns:a16="http://schemas.microsoft.com/office/drawing/2014/main" id="{57ED2760-3259-28CC-8245-32CF7F12A36B}"/>
+            </a:ext>
+          </a:extLst>
+        </p:cNvPr>
+        <p:cNvGrpSpPr/>
+        <p:nvPr/>
+      </p:nvGrpSpPr>
+      <p:grpSpPr>
+        <a:xfrm>
+          <a:off x="0" y="0"/>
+          <a:ext cx="0" cy="0"/>
+          <a:chOff x="0" y="0"/>
+          <a:chExt cx="0" cy="0"/>
+        </a:xfrm>
+      </p:grpSpPr>
       <p:sp>
         <p:nvSpPr>
-          <p:cNvPr id="9" name="Rectangle 8">
-            <a:extLst>
-              <a:ext uri="{FF2B5EF4-FFF2-40B4-BE49-F238E27FC236}">
-                <a16:creationId xmlns:a16="http://schemas.microsoft.com/office/drawing/2014/main" id="{9B211D60-EFA0-9EB3-8754-F2C6D456D3FD}"/>
+          <p:cNvPr id="2" name="Title 1">
+            <a:extLst>
+              <a:ext uri="{FF2B5EF4-FFF2-40B4-BE49-F238E27FC236}">
+                <a16:creationId xmlns:a16="http://schemas.microsoft.com/office/drawing/2014/main" id="{3C3E8C9C-1AAC-1183-D047-F305A30D45E7}"/>
+              </a:ext>
+            </a:extLst>
+          </p:cNvPr>
+          <p:cNvSpPr>
+            <a:spLocks noGrp="1"/>
+          </p:cNvSpPr>
+          <p:nvPr>
+            <p:ph type="title"/>
+          </p:nvPr>
+        </p:nvSpPr>
+        <p:spPr>
+          <a:xfrm>
+            <a:off x="0" y="-211818"/>
+            <a:ext cx="10515600" cy="1325563"/>
+          </a:xfrm>
+        </p:spPr>
+        <p:txBody>
+          <a:bodyPr>
+            <a:normAutofit/>
+          </a:bodyPr>
+          <a:lstStyle/>
+          <a:p>
+            <a:pPr marL="742950" indent="-742950">
+              <a:buFont typeface="+mj-lt"/>
+              <a:buAutoNum type="arabicPeriod" startAt="3"/>
+            </a:pPr>
+            <a:r>
+              <a:rPr lang="vi-VN" sz="3600" b="1">
+                <a:solidFill>
+                  <a:srgbClr val="1488DB"/>
+                </a:solidFill>
+                <a:latin typeface="+mn-lt"/>
+              </a:rPr>
+              <a:t>Layout Design Flow</a:t>
+            </a:r>
+            <a:endParaRPr lang="en-US" sz="3600" b="1">
+              <a:solidFill>
+                <a:srgbClr val="1488DB"/>
+              </a:solidFill>
+              <a:latin typeface="+mn-lt"/>
+            </a:endParaRPr>
+          </a:p>
+        </p:txBody>
+      </p:sp>
+      <p:sp>
+        <p:nvSpPr>
+          <p:cNvPr id="5" name="TextBox 4">
+            <a:extLst>
+              <a:ext uri="{FF2B5EF4-FFF2-40B4-BE49-F238E27FC236}">
+                <a16:creationId xmlns:a16="http://schemas.microsoft.com/office/drawing/2014/main" id="{07B385EE-CEA5-0E99-08D4-50D4B08E4AEF}"/>
+              </a:ext>
+            </a:extLst>
+          </p:cNvPr>
+          <p:cNvSpPr txBox="1"/>
+          <p:nvPr/>
+        </p:nvSpPr>
+        <p:spPr>
+          <a:xfrm>
+            <a:off x="163286" y="805543"/>
+            <a:ext cx="11812813" cy="465384"/>
+          </a:xfrm>
+          <a:prstGeom prst="rect">
+            <a:avLst/>
+          </a:prstGeom>
+          <a:noFill/>
+        </p:spPr>
+        <p:txBody>
+          <a:bodyPr wrap="square" lIns="91440" tIns="45720" rIns="91440" bIns="45720" rtlCol="0" anchor="t">
+            <a:spAutoFit/>
+          </a:bodyPr>
+          <a:lstStyle/>
+          <a:p>
+            <a:pPr>
+              <a:lnSpc>
+                <a:spcPct val="150000"/>
+              </a:lnSpc>
+            </a:pPr>
+            <a:r>
+              <a:rPr lang="vi-VN" b="1" err="1">
+                <a:latin typeface="Arial"/>
+                <a:cs typeface="Arial"/>
+              </a:rPr>
+              <a:t>Custom</a:t>
+            </a:r>
+            <a:r>
+              <a:rPr lang="vi-VN" b="1">
+                <a:latin typeface="Arial"/>
+                <a:cs typeface="Arial"/>
+              </a:rPr>
+              <a:t> </a:t>
+            </a:r>
+            <a:r>
+              <a:rPr lang="vi-VN" b="1" err="1">
+                <a:latin typeface="Arial"/>
+                <a:cs typeface="Arial"/>
+              </a:rPr>
+              <a:t>compiler</a:t>
+            </a:r>
+            <a:r>
+              <a:rPr lang="vi-VN" b="1">
+                <a:latin typeface="Arial"/>
+                <a:cs typeface="Arial"/>
+              </a:rPr>
+              <a:t> </a:t>
+            </a:r>
+            <a:r>
+              <a:rPr lang="vi-VN" b="1" err="1">
+                <a:latin typeface="Arial"/>
+                <a:cs typeface="Arial"/>
+              </a:rPr>
+              <a:t>guideline</a:t>
+            </a:r>
+            <a:endParaRPr lang="en-US" err="1"/>
+          </a:p>
+        </p:txBody>
+      </p:sp>
+      <p:sp>
+        <p:nvSpPr>
+          <p:cNvPr id="3" name="Slide Number Placeholder 2">
+            <a:extLst>
+              <a:ext uri="{FF2B5EF4-FFF2-40B4-BE49-F238E27FC236}">
+                <a16:creationId xmlns:a16="http://schemas.microsoft.com/office/drawing/2014/main" id="{3DDE6747-849A-E8E2-9125-CF9F9D2297F9}"/>
+              </a:ext>
+            </a:extLst>
+          </p:cNvPr>
+          <p:cNvSpPr>
+            <a:spLocks noGrp="1"/>
+          </p:cNvSpPr>
+          <p:nvPr>
+            <p:ph type="sldNum" sz="quarter" idx="12"/>
+          </p:nvPr>
+        </p:nvSpPr>
+        <p:spPr/>
+        <p:txBody>
+          <a:bodyPr/>
+          <a:lstStyle/>
+          <a:p>
+            <a:fld id="{C3CDE87B-A7D0-4540-93F7-AB821250ABC8}" type="slidenum">
+              <a:rPr lang="en-US" smtClean="0"/>
+              <a:t>11</a:t>
+            </a:fld>
+            <a:endParaRPr lang="en-US"/>
+          </a:p>
+        </p:txBody>
+      </p:sp>
+      <p:pic>
+        <p:nvPicPr>
+          <p:cNvPr id="4" name="Picture 3" descr="A computer screen shot of a computer screen&#10;&#10;AI-generated content may be incorrect.">
+            <a:extLst>
+              <a:ext uri="{FF2B5EF4-FFF2-40B4-BE49-F238E27FC236}">
+                <a16:creationId xmlns:a16="http://schemas.microsoft.com/office/drawing/2014/main" id="{9A22B0D9-D915-AC1C-3B30-F5555FBD354F}"/>
+              </a:ext>
+            </a:extLst>
+          </p:cNvPr>
+          <p:cNvPicPr>
+            <a:picLocks noChangeAspect="1"/>
+          </p:cNvPicPr>
+          <p:nvPr/>
+        </p:nvPicPr>
+        <p:blipFill>
+          <a:blip r:embed="rId2"/>
+          <a:stretch>
+            <a:fillRect/>
+          </a:stretch>
+        </p:blipFill>
+        <p:spPr>
+          <a:xfrm>
+            <a:off x="3943350" y="1421130"/>
+            <a:ext cx="8204200" cy="4269740"/>
+          </a:xfrm>
+          <a:prstGeom prst="rect">
+            <a:avLst/>
+          </a:prstGeom>
+        </p:spPr>
+      </p:pic>
+      <p:sp>
+        <p:nvSpPr>
+          <p:cNvPr id="7" name="Rectangle 6">
+            <a:extLst>
+              <a:ext uri="{FF2B5EF4-FFF2-40B4-BE49-F238E27FC236}">
+                <a16:creationId xmlns:a16="http://schemas.microsoft.com/office/drawing/2014/main" id="{CD9CD6C3-51A2-FDA3-BB06-6C001D0970EE}"/>
               </a:ext>
             </a:extLst>
           </p:cNvPr>
@@ -10601,8 +11023,8 @@
         </p:nvSpPr>
         <p:spPr>
           <a:xfrm>
-            <a:off x="4935361" y="5014383"/>
-            <a:ext cx="6277609" cy="675922"/>
+            <a:off x="11215511" y="1979083"/>
+            <a:ext cx="918209" cy="3711222"/>
           </a:xfrm>
           <a:prstGeom prst="rect">
             <a:avLst/>
@@ -10610,7 +11032,7 @@
           <a:noFill/>
           <a:ln w="28575">
             <a:solidFill>
-              <a:srgbClr val="FFC000"/>
+              <a:srgbClr val="FF0000"/>
             </a:solidFill>
           </a:ln>
         </p:spPr>
@@ -10641,10 +11063,10 @@
       </p:sp>
       <p:sp>
         <p:nvSpPr>
-          <p:cNvPr id="10" name="Rectangle 9">
-            <a:extLst>
-              <a:ext uri="{FF2B5EF4-FFF2-40B4-BE49-F238E27FC236}">
-                <a16:creationId xmlns:a16="http://schemas.microsoft.com/office/drawing/2014/main" id="{833F7324-F152-17C7-D4B1-28DA427D3359}"/>
+          <p:cNvPr id="8" name="Rectangle 7">
+            <a:extLst>
+              <a:ext uri="{FF2B5EF4-FFF2-40B4-BE49-F238E27FC236}">
+                <a16:creationId xmlns:a16="http://schemas.microsoft.com/office/drawing/2014/main" id="{CB9D32D7-7AE9-DD51-9E12-1B449CB33FDB}"/>
               </a:ext>
             </a:extLst>
           </p:cNvPr>
@@ -10653,8 +11075,8 @@
         </p:nvSpPr>
         <p:spPr>
           <a:xfrm>
-            <a:off x="5017911" y="2042583"/>
-            <a:ext cx="6188709" cy="2974622"/>
+            <a:off x="4065411" y="1979083"/>
+            <a:ext cx="867409" cy="2606322"/>
           </a:xfrm>
           <a:prstGeom prst="rect">
             <a:avLst/>
@@ -10662,7 +11084,7 @@
           <a:noFill/>
           <a:ln w="28575">
             <a:solidFill>
-              <a:schemeClr val="accent4"/>
+              <a:schemeClr val="accent5"/>
             </a:solidFill>
           </a:ln>
         </p:spPr>
@@ -10687,20 +11109,16 @@
           <a:lstStyle/>
           <a:p>
             <a:pPr algn="ctr"/>
-            <a:endParaRPr lang="en-US">
-              <a:solidFill>
-                <a:srgbClr val="0F9ED5"/>
-              </a:solidFill>
-            </a:endParaRPr>
+            <a:endParaRPr lang="en-US"/>
           </a:p>
         </p:txBody>
       </p:sp>
       <p:sp>
         <p:nvSpPr>
-          <p:cNvPr id="11" name="Rectangle 10">
-            <a:extLst>
-              <a:ext uri="{FF2B5EF4-FFF2-40B4-BE49-F238E27FC236}">
-                <a16:creationId xmlns:a16="http://schemas.microsoft.com/office/drawing/2014/main" id="{B6FD601F-C360-B8DD-643D-215C3E36BB2E}"/>
+          <p:cNvPr id="9" name="Rectangle 8">
+            <a:extLst>
+              <a:ext uri="{FF2B5EF4-FFF2-40B4-BE49-F238E27FC236}">
+                <a16:creationId xmlns:a16="http://schemas.microsoft.com/office/drawing/2014/main" id="{9B211D60-EFA0-9EB3-8754-F2C6D456D3FD}"/>
               </a:ext>
             </a:extLst>
           </p:cNvPr>
@@ -10709,8 +11127,8 @@
         </p:nvSpPr>
         <p:spPr>
           <a:xfrm>
-            <a:off x="3944761" y="1553633"/>
-            <a:ext cx="8201659" cy="428272"/>
+            <a:off x="4935361" y="5014383"/>
+            <a:ext cx="6277609" cy="675922"/>
           </a:xfrm>
           <a:prstGeom prst="rect">
             <a:avLst/>
@@ -10718,7 +11136,7 @@
           <a:noFill/>
           <a:ln w="28575">
             <a:solidFill>
-              <a:schemeClr val="accent3"/>
+              <a:srgbClr val="FFC000"/>
             </a:solidFill>
           </a:ln>
         </p:spPr>
@@ -10749,6 +11167,114 @@
       </p:sp>
       <p:sp>
         <p:nvSpPr>
+          <p:cNvPr id="10" name="Rectangle 9">
+            <a:extLst>
+              <a:ext uri="{FF2B5EF4-FFF2-40B4-BE49-F238E27FC236}">
+                <a16:creationId xmlns:a16="http://schemas.microsoft.com/office/drawing/2014/main" id="{833F7324-F152-17C7-D4B1-28DA427D3359}"/>
+              </a:ext>
+            </a:extLst>
+          </p:cNvPr>
+          <p:cNvSpPr/>
+          <p:nvPr/>
+        </p:nvSpPr>
+        <p:spPr>
+          <a:xfrm>
+            <a:off x="5017911" y="2042583"/>
+            <a:ext cx="6188709" cy="2974622"/>
+          </a:xfrm>
+          <a:prstGeom prst="rect">
+            <a:avLst/>
+          </a:prstGeom>
+          <a:noFill/>
+          <a:ln w="28575">
+            <a:solidFill>
+              <a:schemeClr val="accent4"/>
+            </a:solidFill>
+          </a:ln>
+        </p:spPr>
+        <p:style>
+          <a:lnRef idx="2">
+            <a:schemeClr val="accent1">
+              <a:shade val="15000"/>
+            </a:schemeClr>
+          </a:lnRef>
+          <a:fillRef idx="1">
+            <a:schemeClr val="accent1"/>
+          </a:fillRef>
+          <a:effectRef idx="0">
+            <a:schemeClr val="accent1"/>
+          </a:effectRef>
+          <a:fontRef idx="minor">
+            <a:schemeClr val="lt1"/>
+          </a:fontRef>
+        </p:style>
+        <p:txBody>
+          <a:bodyPr rtlCol="0" anchor="ctr"/>
+          <a:lstStyle/>
+          <a:p>
+            <a:pPr algn="ctr"/>
+            <a:endParaRPr lang="en-US">
+              <a:solidFill>
+                <a:srgbClr val="0F9ED5"/>
+              </a:solidFill>
+            </a:endParaRPr>
+          </a:p>
+        </p:txBody>
+      </p:sp>
+      <p:sp>
+        <p:nvSpPr>
+          <p:cNvPr id="11" name="Rectangle 10">
+            <a:extLst>
+              <a:ext uri="{FF2B5EF4-FFF2-40B4-BE49-F238E27FC236}">
+                <a16:creationId xmlns:a16="http://schemas.microsoft.com/office/drawing/2014/main" id="{B6FD601F-C360-B8DD-643D-215C3E36BB2E}"/>
+              </a:ext>
+            </a:extLst>
+          </p:cNvPr>
+          <p:cNvSpPr/>
+          <p:nvPr/>
+        </p:nvSpPr>
+        <p:spPr>
+          <a:xfrm>
+            <a:off x="3944761" y="1553633"/>
+            <a:ext cx="8201659" cy="428272"/>
+          </a:xfrm>
+          <a:prstGeom prst="rect">
+            <a:avLst/>
+          </a:prstGeom>
+          <a:noFill/>
+          <a:ln w="28575">
+            <a:solidFill>
+              <a:schemeClr val="accent3"/>
+            </a:solidFill>
+          </a:ln>
+        </p:spPr>
+        <p:style>
+          <a:lnRef idx="2">
+            <a:schemeClr val="accent1">
+              <a:shade val="15000"/>
+            </a:schemeClr>
+          </a:lnRef>
+          <a:fillRef idx="1">
+            <a:schemeClr val="accent1"/>
+          </a:fillRef>
+          <a:effectRef idx="0">
+            <a:schemeClr val="accent1"/>
+          </a:effectRef>
+          <a:fontRef idx="minor">
+            <a:schemeClr val="lt1"/>
+          </a:fontRef>
+        </p:style>
+        <p:txBody>
+          <a:bodyPr rtlCol="0" anchor="ctr"/>
+          <a:lstStyle/>
+          <a:p>
+            <a:pPr algn="ctr"/>
+            <a:endParaRPr lang="en-US"/>
+          </a:p>
+        </p:txBody>
+      </p:sp>
+      <p:sp>
+        <p:nvSpPr>
           <p:cNvPr id="12" name="TextBox 11">
             <a:extLst>
               <a:ext uri="{FF2B5EF4-FFF2-40B4-BE49-F238E27FC236}">
@@ -10874,7 +11400,7 @@
 </p:sld>
 </file>
 
-<file path=ppt/slides/slide11.xml><?xml version="1.0" encoding="utf-8"?>
+<file path=ppt/slides/slide12.xml><?xml version="1.0" encoding="utf-8"?>
 <p:sld xmlns:a="http://schemas.openxmlformats.org/drawingml/2006/main" xmlns:r="http://schemas.openxmlformats.org/officeDocument/2006/relationships" xmlns:p="http://schemas.openxmlformats.org/presentationml/2006/main">
   <p:cSld>
     <p:spTree>
@@ -11013,7 +11539,7 @@
           <a:p>
             <a:fld id="{C3CDE87B-A7D0-4540-93F7-AB821250ABC8}" type="slidenum">
               <a:rPr lang="en-US" smtClean="0"/>
-              <a:t>11</a:t>
+              <a:t>12</a:t>
             </a:fld>
             <a:endParaRPr lang="en-US"/>
           </a:p>
@@ -11491,7 +12017,7 @@
 </p:sld>
 </file>
 
-<file path=ppt/slides/slide12.xml><?xml version="1.0" encoding="utf-8"?>
+<file path=ppt/slides/slide13.xml><?xml version="1.0" encoding="utf-8"?>
 <p:sld xmlns:a="http://schemas.openxmlformats.org/drawingml/2006/main" xmlns:r="http://schemas.openxmlformats.org/officeDocument/2006/relationships" xmlns:p="http://schemas.openxmlformats.org/presentationml/2006/main">
   <p:cSld>
     <p:spTree>
@@ -11631,7 +12157,7 @@
           <a:p>
             <a:fld id="{C3CDE87B-A7D0-4540-93F7-AB821250ABC8}" type="slidenum">
               <a:rPr lang="en-US" smtClean="0"/>
-              <a:t>12</a:t>
+              <a:t>13</a:t>
             </a:fld>
             <a:endParaRPr lang="en-US"/>
           </a:p>
@@ -12349,7 +12875,7 @@
 </p:sld>
 </file>
 
-<file path=ppt/slides/slide13.xml><?xml version="1.0" encoding="utf-8"?>
+<file path=ppt/slides/slide14.xml><?xml version="1.0" encoding="utf-8"?>
 <p:sld xmlns:a="http://schemas.openxmlformats.org/drawingml/2006/main" xmlns:r="http://schemas.openxmlformats.org/officeDocument/2006/relationships" xmlns:p="http://schemas.openxmlformats.org/presentationml/2006/main">
   <p:cSld>
     <p:spTree>
@@ -12503,7 +13029,7 @@
           <a:p>
             <a:fld id="{C3CDE87B-A7D0-4540-93F7-AB821250ABC8}" type="slidenum">
               <a:rPr lang="en-US" smtClean="0"/>
-              <a:t>13</a:t>
+              <a:t>14</a:t>
             </a:fld>
             <a:endParaRPr lang="en-US"/>
           </a:p>
@@ -12716,7 +13242,7 @@
 </p:sld>
 </file>
 
-<file path=ppt/slides/slide14.xml><?xml version="1.0" encoding="utf-8"?>
+<file path=ppt/slides/slide15.xml><?xml version="1.0" encoding="utf-8"?>
 <p:sld xmlns:a="http://schemas.openxmlformats.org/drawingml/2006/main" xmlns:r="http://schemas.openxmlformats.org/officeDocument/2006/relationships" xmlns:p="http://schemas.openxmlformats.org/presentationml/2006/main">
   <p:cSld>
     <p:spTree>
@@ -12862,7 +13388,7 @@
           <a:p>
             <a:fld id="{C3CDE87B-A7D0-4540-93F7-AB821250ABC8}" type="slidenum">
               <a:rPr lang="en-US" smtClean="0"/>
-              <a:t>14</a:t>
+              <a:t>15</a:t>
             </a:fld>
             <a:endParaRPr lang="en-US"/>
           </a:p>
@@ -13141,7 +13667,7 @@
 </p:sld>
 </file>
 
-<file path=ppt/slides/slide15.xml><?xml version="1.0" encoding="utf-8"?>
+<file path=ppt/slides/slide16.xml><?xml version="1.0" encoding="utf-8"?>
 <p:sld xmlns:a="http://schemas.openxmlformats.org/drawingml/2006/main" xmlns:r="http://schemas.openxmlformats.org/officeDocument/2006/relationships" xmlns:p="http://schemas.openxmlformats.org/presentationml/2006/main">
   <p:cSld>
     <p:spTree>
@@ -13882,7 +14408,7 @@
 </p:sld>
 </file>
 
-<file path=ppt/slides/slide16.xml><?xml version="1.0" encoding="utf-8"?>
+<file path=ppt/slides/slide17.xml><?xml version="1.0" encoding="utf-8"?>
 <p:sld xmlns:a="http://schemas.openxmlformats.org/drawingml/2006/main" xmlns:r="http://schemas.openxmlformats.org/officeDocument/2006/relationships" xmlns:p="http://schemas.openxmlformats.org/presentationml/2006/main">
   <p:cSld>
     <p:spTree>
@@ -14341,7 +14867,7 @@
 </p:sld>
 </file>
 
-<file path=ppt/slides/slide17.xml><?xml version="1.0" encoding="utf-8"?>
+<file path=ppt/slides/slide18.xml><?xml version="1.0" encoding="utf-8"?>
 <p:sld xmlns:a="http://schemas.openxmlformats.org/drawingml/2006/main" xmlns:r="http://schemas.openxmlformats.org/officeDocument/2006/relationships" xmlns:p="http://schemas.openxmlformats.org/presentationml/2006/main">
   <p:cSld>
     <p:spTree>
@@ -14746,7 +15272,7 @@
 </p:sld>
 </file>
 
-<file path=ppt/slides/slide18.xml><?xml version="1.0" encoding="utf-8"?>
+<file path=ppt/slides/slide19.xml><?xml version="1.0" encoding="utf-8"?>
 <p:sld xmlns:a="http://schemas.openxmlformats.org/drawingml/2006/main" xmlns:r="http://schemas.openxmlformats.org/officeDocument/2006/relationships" xmlns:p="http://schemas.openxmlformats.org/presentationml/2006/main">
   <p:cSld>
     <p:spTree>
@@ -15124,548 +15650,6 @@
     <p:extLst>
       <p:ext uri="{BB962C8B-B14F-4D97-AF65-F5344CB8AC3E}">
         <p14:creationId xmlns:p14="http://schemas.microsoft.com/office/powerpoint/2010/main" val="1468767406"/>
-      </p:ext>
-    </p:extLst>
-  </p:cSld>
-  <p:clrMapOvr>
-    <a:masterClrMapping/>
-  </p:clrMapOvr>
-</p:sld>
-</file>
-
-<file path=ppt/slides/slide19.xml><?xml version="1.0" encoding="utf-8"?>
-<p:sld xmlns:a="http://schemas.openxmlformats.org/drawingml/2006/main" xmlns:r="http://schemas.openxmlformats.org/officeDocument/2006/relationships" xmlns:p="http://schemas.openxmlformats.org/presentationml/2006/main">
-  <p:cSld>
-    <p:spTree>
-      <p:nvGrpSpPr>
-        <p:cNvPr id="1" name="">
-          <a:extLst>
-            <a:ext uri="{FF2B5EF4-FFF2-40B4-BE49-F238E27FC236}">
-              <a16:creationId xmlns:a16="http://schemas.microsoft.com/office/drawing/2014/main" id="{A20B663A-2A83-8EE4-D3D9-C8FBE2D42633}"/>
-            </a:ext>
-          </a:extLst>
-        </p:cNvPr>
-        <p:cNvGrpSpPr/>
-        <p:nvPr/>
-      </p:nvGrpSpPr>
-      <p:grpSpPr>
-        <a:xfrm>
-          <a:off x="0" y="0"/>
-          <a:ext cx="0" cy="0"/>
-          <a:chOff x="0" y="0"/>
-          <a:chExt cx="0" cy="0"/>
-        </a:xfrm>
-      </p:grpSpPr>
-      <p:sp>
-        <p:nvSpPr>
-          <p:cNvPr id="2" name="Title 1">
-            <a:extLst>
-              <a:ext uri="{FF2B5EF4-FFF2-40B4-BE49-F238E27FC236}">
-                <a16:creationId xmlns:a16="http://schemas.microsoft.com/office/drawing/2014/main" id="{B60CD807-F9A6-7187-9B17-380A0F58D87D}"/>
-              </a:ext>
-            </a:extLst>
-          </p:cNvPr>
-          <p:cNvSpPr>
-            <a:spLocks noGrp="1"/>
-          </p:cNvSpPr>
-          <p:nvPr>
-            <p:ph type="title"/>
-          </p:nvPr>
-        </p:nvSpPr>
-        <p:spPr>
-          <a:xfrm>
-            <a:off x="0" y="-211818"/>
-            <a:ext cx="10515600" cy="1325563"/>
-          </a:xfrm>
-        </p:spPr>
-        <p:txBody>
-          <a:bodyPr>
-            <a:normAutofit/>
-          </a:bodyPr>
-          <a:lstStyle/>
-          <a:p>
-            <a:pPr marL="742950" indent="-742950">
-              <a:buFont typeface="+mj-lt"/>
-              <a:buAutoNum type="arabicPeriod" startAt="3"/>
-            </a:pPr>
-            <a:r>
-              <a:rPr lang="vi-VN" sz="3600" b="1">
-                <a:solidFill>
-                  <a:srgbClr val="1488DB"/>
-                </a:solidFill>
-                <a:latin typeface="+mn-lt"/>
-              </a:rPr>
-              <a:t>Layout Design Flow</a:t>
-            </a:r>
-            <a:endParaRPr lang="en-US" sz="3600" b="1">
-              <a:solidFill>
-                <a:srgbClr val="1488DB"/>
-              </a:solidFill>
-              <a:latin typeface="+mn-lt"/>
-            </a:endParaRPr>
-          </a:p>
-        </p:txBody>
-      </p:sp>
-      <p:sp>
-        <p:nvSpPr>
-          <p:cNvPr id="5" name="TextBox 4">
-            <a:extLst>
-              <a:ext uri="{FF2B5EF4-FFF2-40B4-BE49-F238E27FC236}">
-                <a16:creationId xmlns:a16="http://schemas.microsoft.com/office/drawing/2014/main" id="{047654F1-66AC-AEB8-0BF2-BD49EE7E00E0}"/>
-              </a:ext>
-            </a:extLst>
-          </p:cNvPr>
-          <p:cNvSpPr txBox="1"/>
-          <p:nvPr/>
-        </p:nvSpPr>
-        <p:spPr>
-          <a:xfrm>
-            <a:off x="163286" y="805543"/>
-            <a:ext cx="11812813" cy="465384"/>
-          </a:xfrm>
-          <a:prstGeom prst="rect">
-            <a:avLst/>
-          </a:prstGeom>
-          <a:noFill/>
-        </p:spPr>
-        <p:txBody>
-          <a:bodyPr wrap="square" lIns="91440" tIns="45720" rIns="91440" bIns="45720" rtlCol="0" anchor="t">
-            <a:spAutoFit/>
-          </a:bodyPr>
-          <a:lstStyle/>
-          <a:p>
-            <a:pPr>
-              <a:lnSpc>
-                <a:spcPct val="150000"/>
-              </a:lnSpc>
-            </a:pPr>
-            <a:r>
-              <a:rPr lang="vi-VN" b="1">
-                <a:latin typeface="Arial"/>
-                <a:cs typeface="Arial"/>
-              </a:rPr>
-              <a:t>Toolbar – Create via</a:t>
-            </a:r>
-          </a:p>
-        </p:txBody>
-      </p:sp>
-      <p:sp>
-        <p:nvSpPr>
-          <p:cNvPr id="7" name="TextBox 6">
-            <a:extLst>
-              <a:ext uri="{FF2B5EF4-FFF2-40B4-BE49-F238E27FC236}">
-                <a16:creationId xmlns:a16="http://schemas.microsoft.com/office/drawing/2014/main" id="{99AA1D5A-9524-7339-70C4-A263C98FC8BC}"/>
-              </a:ext>
-            </a:extLst>
-          </p:cNvPr>
-          <p:cNvSpPr txBox="1"/>
-          <p:nvPr/>
-        </p:nvSpPr>
-        <p:spPr>
-          <a:xfrm>
-            <a:off x="345722" y="1269999"/>
-            <a:ext cx="4375150" cy="2862322"/>
-          </a:xfrm>
-          <a:prstGeom prst="rect">
-            <a:avLst/>
-          </a:prstGeom>
-          <a:noFill/>
-        </p:spPr>
-        <p:txBody>
-          <a:bodyPr rot="0" spcFirstLastPara="0" vertOverflow="overflow" horzOverflow="overflow" vert="horz" wrap="square" lIns="91440" tIns="45720" rIns="91440" bIns="45720" numCol="1" spcCol="0" rtlCol="0" fromWordArt="0" anchor="t" anchorCtr="0" forceAA="0" compatLnSpc="1">
-            <a:prstTxWarp prst="textNoShape">
-              <a:avLst/>
-            </a:prstTxWarp>
-            <a:spAutoFit/>
-          </a:bodyPr>
-          <a:lstStyle/>
-          <a:p>
-            <a:pPr marL="285750" indent="-285750">
-              <a:buFont typeface="Arial"/>
-              <a:buChar char="•"/>
-            </a:pPr>
-            <a:r>
-              <a:rPr lang="en-US"/>
-              <a:t>Press O</a:t>
-            </a:r>
-          </a:p>
-          <a:p>
-            <a:pPr marL="285750" indent="-285750">
-              <a:buFont typeface="Arial"/>
-              <a:buChar char="•"/>
-            </a:pPr>
-            <a:endParaRPr lang="en-US"/>
-          </a:p>
-          <a:p>
-            <a:pPr marL="285750" indent="-285750">
-              <a:buFont typeface="Arial"/>
-              <a:buChar char="•"/>
-            </a:pPr>
-            <a:r>
-              <a:rPr lang="en-US"/>
-              <a:t>Can choose between auto and manual</a:t>
-            </a:r>
-          </a:p>
-          <a:p>
-            <a:pPr marL="285750" indent="-285750">
-              <a:buFont typeface="Arial"/>
-              <a:buChar char="•"/>
-            </a:pPr>
-            <a:endParaRPr lang="en-US"/>
-          </a:p>
-          <a:p>
-            <a:pPr marL="285750" indent="-285750">
-              <a:buFont typeface="Arial"/>
-              <a:buChar char="•"/>
-            </a:pPr>
-            <a:r>
-              <a:rPr lang="en-US"/>
-              <a:t>Nets: enter net name you want to drop via (to avoid short net)</a:t>
-            </a:r>
-          </a:p>
-          <a:p>
-            <a:pPr marL="285750" indent="-285750">
-              <a:buFont typeface="Arial"/>
-              <a:buChar char="•"/>
-            </a:pPr>
-            <a:r>
-              <a:rPr lang="en-US"/>
-              <a:t>Only same net: drop via for only net with same name</a:t>
-            </a:r>
-          </a:p>
-          <a:p>
-            <a:pPr marL="285750" indent="-285750">
-              <a:buFont typeface="Arial"/>
-              <a:buChar char="•"/>
-            </a:pPr>
-            <a:endParaRPr lang="en-US"/>
-          </a:p>
-          <a:p>
-            <a:pPr marL="285750" indent="-285750">
-              <a:buFont typeface="Arial"/>
-              <a:buChar char="•"/>
-            </a:pPr>
-            <a:endParaRPr lang="en-US"/>
-          </a:p>
-        </p:txBody>
-      </p:sp>
-      <p:pic>
-        <p:nvPicPr>
-          <p:cNvPr id="3" name="Picture 2">
-            <a:extLst>
-              <a:ext uri="{FF2B5EF4-FFF2-40B4-BE49-F238E27FC236}">
-                <a16:creationId xmlns:a16="http://schemas.microsoft.com/office/drawing/2014/main" id="{9684F75F-196E-2E5A-11E2-C919A1EBD63E}"/>
-              </a:ext>
-            </a:extLst>
-          </p:cNvPr>
-          <p:cNvPicPr>
-            <a:picLocks noChangeAspect="1"/>
-          </p:cNvPicPr>
-          <p:nvPr/>
-        </p:nvPicPr>
-        <p:blipFill>
-          <a:blip r:embed="rId2"/>
-          <a:stretch>
-            <a:fillRect/>
-          </a:stretch>
-        </p:blipFill>
-        <p:spPr>
-          <a:xfrm>
-            <a:off x="396875" y="1571625"/>
-            <a:ext cx="2762250" cy="285750"/>
-          </a:xfrm>
-          <a:prstGeom prst="rect">
-            <a:avLst/>
-          </a:prstGeom>
-        </p:spPr>
-      </p:pic>
-      <p:pic>
-        <p:nvPicPr>
-          <p:cNvPr id="6" name="Picture 5">
-            <a:extLst>
-              <a:ext uri="{FF2B5EF4-FFF2-40B4-BE49-F238E27FC236}">
-                <a16:creationId xmlns:a16="http://schemas.microsoft.com/office/drawing/2014/main" id="{591D22BB-82F9-13B2-B201-F67810064A9F}"/>
-              </a:ext>
-            </a:extLst>
-          </p:cNvPr>
-          <p:cNvPicPr>
-            <a:picLocks noChangeAspect="1"/>
-          </p:cNvPicPr>
-          <p:nvPr/>
-        </p:nvPicPr>
-        <p:blipFill>
-          <a:blip r:embed="rId3"/>
-          <a:stretch>
-            <a:fillRect/>
-          </a:stretch>
-        </p:blipFill>
-        <p:spPr>
-          <a:xfrm>
-            <a:off x="404813" y="2122488"/>
-            <a:ext cx="9477375" cy="314325"/>
-          </a:xfrm>
-          <a:prstGeom prst="rect">
-            <a:avLst/>
-          </a:prstGeom>
-        </p:spPr>
-      </p:pic>
-      <p:pic>
-        <p:nvPicPr>
-          <p:cNvPr id="9" name="Picture 8" descr="A screenshot of a video game&#10;&#10;AI-generated content may be incorrect.">
-            <a:extLst>
-              <a:ext uri="{FF2B5EF4-FFF2-40B4-BE49-F238E27FC236}">
-                <a16:creationId xmlns:a16="http://schemas.microsoft.com/office/drawing/2014/main" id="{D7637EC5-331B-DE91-94FE-085B4B9D3699}"/>
-              </a:ext>
-            </a:extLst>
-          </p:cNvPr>
-          <p:cNvPicPr>
-            <a:picLocks noChangeAspect="1"/>
-          </p:cNvPicPr>
-          <p:nvPr/>
-        </p:nvPicPr>
-        <p:blipFill>
-          <a:blip r:embed="rId4"/>
-          <a:stretch>
-            <a:fillRect/>
-          </a:stretch>
-        </p:blipFill>
-        <p:spPr>
-          <a:xfrm>
-            <a:off x="406400" y="3594100"/>
-            <a:ext cx="7607300" cy="2222500"/>
-          </a:xfrm>
-          <a:prstGeom prst="rect">
-            <a:avLst/>
-          </a:prstGeom>
-        </p:spPr>
-      </p:pic>
-      <p:sp>
-        <p:nvSpPr>
-          <p:cNvPr id="11" name="TextBox 10">
-            <a:extLst>
-              <a:ext uri="{FF2B5EF4-FFF2-40B4-BE49-F238E27FC236}">
-                <a16:creationId xmlns:a16="http://schemas.microsoft.com/office/drawing/2014/main" id="{037B4EE6-363D-A2B7-4FF1-E232CDA99977}"/>
-              </a:ext>
-            </a:extLst>
-          </p:cNvPr>
-          <p:cNvSpPr txBox="1"/>
-          <p:nvPr/>
-        </p:nvSpPr>
-        <p:spPr>
-          <a:xfrm>
-            <a:off x="2611261" y="3706283"/>
-            <a:ext cx="755650" cy="365760"/>
-          </a:xfrm>
-          <a:prstGeom prst="rect">
-            <a:avLst/>
-          </a:prstGeom>
-          <a:noFill/>
-          <a:ln>
-            <a:noFill/>
-          </a:ln>
-        </p:spPr>
-        <p:txBody>
-          <a:bodyPr rot="0" spcFirstLastPara="0" vertOverflow="overflow" horzOverflow="overflow" vert="horz" wrap="square" lIns="91440" tIns="45720" rIns="91440" bIns="45720" numCol="1" spcCol="0" rtlCol="0" fromWordArt="0" anchor="t" anchorCtr="0" forceAA="0" compatLnSpc="1">
-            <a:prstTxWarp prst="textNoShape">
-              <a:avLst/>
-            </a:prstTxWarp>
-            <a:spAutoFit/>
-          </a:bodyPr>
-          <a:lstStyle/>
-          <a:p>
-            <a:pPr algn="l"/>
-            <a:r>
-              <a:rPr lang="en-US">
-                <a:solidFill>
-                  <a:srgbClr val="FFFF00"/>
-                </a:solidFill>
-              </a:rPr>
-              <a:t>VDD</a:t>
-            </a:r>
-          </a:p>
-        </p:txBody>
-      </p:sp>
-      <p:sp>
-        <p:nvSpPr>
-          <p:cNvPr id="14" name="TextBox 13">
-            <a:extLst>
-              <a:ext uri="{FF2B5EF4-FFF2-40B4-BE49-F238E27FC236}">
-                <a16:creationId xmlns:a16="http://schemas.microsoft.com/office/drawing/2014/main" id="{F3125DB5-1AEF-0E46-242E-D3A9A143F1BF}"/>
-              </a:ext>
-            </a:extLst>
-          </p:cNvPr>
-          <p:cNvSpPr txBox="1"/>
-          <p:nvPr/>
-        </p:nvSpPr>
-        <p:spPr>
-          <a:xfrm>
-            <a:off x="642760" y="4830232"/>
-            <a:ext cx="755650" cy="365760"/>
-          </a:xfrm>
-          <a:prstGeom prst="rect">
-            <a:avLst/>
-          </a:prstGeom>
-          <a:noFill/>
-          <a:ln>
-            <a:noFill/>
-          </a:ln>
-        </p:spPr>
-        <p:txBody>
-          <a:bodyPr rot="0" spcFirstLastPara="0" vertOverflow="overflow" horzOverflow="overflow" vert="horz" wrap="square" lIns="91440" tIns="45720" rIns="91440" bIns="45720" numCol="1" spcCol="0" rtlCol="0" fromWordArt="0" anchor="t" anchorCtr="0" forceAA="0" compatLnSpc="1">
-            <a:prstTxWarp prst="textNoShape">
-              <a:avLst/>
-            </a:prstTxWarp>
-            <a:spAutoFit/>
-          </a:bodyPr>
-          <a:lstStyle/>
-          <a:p>
-            <a:pPr algn="l"/>
-            <a:r>
-              <a:rPr lang="en-US">
-                <a:solidFill>
-                  <a:srgbClr val="FFFF00"/>
-                </a:solidFill>
-              </a:rPr>
-              <a:t>VDD</a:t>
-            </a:r>
-          </a:p>
-        </p:txBody>
-      </p:sp>
-      <p:sp>
-        <p:nvSpPr>
-          <p:cNvPr id="15" name="TextBox 14">
-            <a:extLst>
-              <a:ext uri="{FF2B5EF4-FFF2-40B4-BE49-F238E27FC236}">
-                <a16:creationId xmlns:a16="http://schemas.microsoft.com/office/drawing/2014/main" id="{2D6246CC-D822-AF7B-94E0-C73822C13A05}"/>
-              </a:ext>
-            </a:extLst>
-          </p:cNvPr>
-          <p:cNvSpPr txBox="1"/>
-          <p:nvPr/>
-        </p:nvSpPr>
-        <p:spPr>
-          <a:xfrm>
-            <a:off x="4211460" y="3706282"/>
-            <a:ext cx="755650" cy="365760"/>
-          </a:xfrm>
-          <a:prstGeom prst="rect">
-            <a:avLst/>
-          </a:prstGeom>
-          <a:noFill/>
-          <a:ln>
-            <a:noFill/>
-          </a:ln>
-        </p:spPr>
-        <p:txBody>
-          <a:bodyPr rot="0" spcFirstLastPara="0" vertOverflow="overflow" horzOverflow="overflow" vert="horz" wrap="square" lIns="91440" tIns="45720" rIns="91440" bIns="45720" numCol="1" spcCol="0" rtlCol="0" fromWordArt="0" anchor="t" anchorCtr="0" forceAA="0" compatLnSpc="1">
-            <a:prstTxWarp prst="textNoShape">
-              <a:avLst/>
-            </a:prstTxWarp>
-            <a:spAutoFit/>
-          </a:bodyPr>
-          <a:lstStyle/>
-          <a:p>
-            <a:pPr algn="l"/>
-            <a:r>
-              <a:rPr lang="en-US">
-                <a:solidFill>
-                  <a:srgbClr val="FFFF00"/>
-                </a:solidFill>
-              </a:rPr>
-              <a:t>VDD</a:t>
-            </a:r>
-          </a:p>
-        </p:txBody>
-      </p:sp>
-      <p:sp>
-        <p:nvSpPr>
-          <p:cNvPr id="17" name="TextBox 16">
-            <a:extLst>
-              <a:ext uri="{FF2B5EF4-FFF2-40B4-BE49-F238E27FC236}">
-                <a16:creationId xmlns:a16="http://schemas.microsoft.com/office/drawing/2014/main" id="{A1EBBB08-5BB2-04E3-8188-EFAB9294C3EB}"/>
-              </a:ext>
-            </a:extLst>
-          </p:cNvPr>
-          <p:cNvSpPr txBox="1"/>
-          <p:nvPr/>
-        </p:nvSpPr>
-        <p:spPr>
-          <a:xfrm>
-            <a:off x="5919610" y="3706282"/>
-            <a:ext cx="755650" cy="365760"/>
-          </a:xfrm>
-          <a:prstGeom prst="rect">
-            <a:avLst/>
-          </a:prstGeom>
-          <a:noFill/>
-          <a:ln>
-            <a:noFill/>
-          </a:ln>
-        </p:spPr>
-        <p:txBody>
-          <a:bodyPr rot="0" spcFirstLastPara="0" vertOverflow="overflow" horzOverflow="overflow" vert="horz" wrap="square" lIns="91440" tIns="45720" rIns="91440" bIns="45720" numCol="1" spcCol="0" rtlCol="0" fromWordArt="0" anchor="t" anchorCtr="0" forceAA="0" compatLnSpc="1">
-            <a:prstTxWarp prst="textNoShape">
-              <a:avLst/>
-            </a:prstTxWarp>
-            <a:spAutoFit/>
-          </a:bodyPr>
-          <a:lstStyle/>
-          <a:p>
-            <a:pPr algn="l"/>
-            <a:r>
-              <a:rPr lang="en-US">
-                <a:solidFill>
-                  <a:srgbClr val="FFFF00"/>
-                </a:solidFill>
-              </a:rPr>
-              <a:t>VDD</a:t>
-            </a:r>
-          </a:p>
-        </p:txBody>
-      </p:sp>
-      <p:sp>
-        <p:nvSpPr>
-          <p:cNvPr id="18" name="TextBox 17">
-            <a:extLst>
-              <a:ext uri="{FF2B5EF4-FFF2-40B4-BE49-F238E27FC236}">
-                <a16:creationId xmlns:a16="http://schemas.microsoft.com/office/drawing/2014/main" id="{CD1D0A8F-25B7-8E42-8806-FD1A44E8C611}"/>
-              </a:ext>
-            </a:extLst>
-          </p:cNvPr>
-          <p:cNvSpPr txBox="1"/>
-          <p:nvPr/>
-        </p:nvSpPr>
-        <p:spPr>
-          <a:xfrm>
-            <a:off x="403577" y="5968294"/>
-            <a:ext cx="7607300" cy="369332"/>
-          </a:xfrm>
-          <a:prstGeom prst="rect">
-            <a:avLst/>
-          </a:prstGeom>
-          <a:noFill/>
-        </p:spPr>
-        <p:txBody>
-          <a:bodyPr rot="0" spcFirstLastPara="0" vertOverflow="overflow" horzOverflow="overflow" vert="horz" wrap="square" lIns="91440" tIns="45720" rIns="91440" bIns="45720" numCol="1" spcCol="0" rtlCol="0" fromWordArt="0" anchor="t" anchorCtr="0" forceAA="0" compatLnSpc="1">
-            <a:prstTxWarp prst="textNoShape">
-              <a:avLst/>
-            </a:prstTxWarp>
-            <a:spAutoFit/>
-          </a:bodyPr>
-          <a:lstStyle/>
-          <a:p>
-            <a:pPr algn="ctr"/>
-            <a:r>
-              <a:rPr lang="en-US"/>
-              <a:t>Tool only drop via on interconnect of net VDD</a:t>
-            </a:r>
-          </a:p>
-        </p:txBody>
-      </p:sp>
-    </p:spTree>
-    <p:extLst>
-      <p:ext uri="{BB962C8B-B14F-4D97-AF65-F5344CB8AC3E}">
-        <p14:creationId xmlns:p14="http://schemas.microsoft.com/office/powerpoint/2010/main" val="2511349068"/>
       </p:ext>
     </p:extLst>
   </p:cSld>
@@ -15907,6 +15891,548 @@
         <p:cNvPr id="1" name="">
           <a:extLst>
             <a:ext uri="{FF2B5EF4-FFF2-40B4-BE49-F238E27FC236}">
+              <a16:creationId xmlns:a16="http://schemas.microsoft.com/office/drawing/2014/main" id="{A20B663A-2A83-8EE4-D3D9-C8FBE2D42633}"/>
+            </a:ext>
+          </a:extLst>
+        </p:cNvPr>
+        <p:cNvGrpSpPr/>
+        <p:nvPr/>
+      </p:nvGrpSpPr>
+      <p:grpSpPr>
+        <a:xfrm>
+          <a:off x="0" y="0"/>
+          <a:ext cx="0" cy="0"/>
+          <a:chOff x="0" y="0"/>
+          <a:chExt cx="0" cy="0"/>
+        </a:xfrm>
+      </p:grpSpPr>
+      <p:sp>
+        <p:nvSpPr>
+          <p:cNvPr id="2" name="Title 1">
+            <a:extLst>
+              <a:ext uri="{FF2B5EF4-FFF2-40B4-BE49-F238E27FC236}">
+                <a16:creationId xmlns:a16="http://schemas.microsoft.com/office/drawing/2014/main" id="{B60CD807-F9A6-7187-9B17-380A0F58D87D}"/>
+              </a:ext>
+            </a:extLst>
+          </p:cNvPr>
+          <p:cNvSpPr>
+            <a:spLocks noGrp="1"/>
+          </p:cNvSpPr>
+          <p:nvPr>
+            <p:ph type="title"/>
+          </p:nvPr>
+        </p:nvSpPr>
+        <p:spPr>
+          <a:xfrm>
+            <a:off x="0" y="-211818"/>
+            <a:ext cx="10515600" cy="1325563"/>
+          </a:xfrm>
+        </p:spPr>
+        <p:txBody>
+          <a:bodyPr>
+            <a:normAutofit/>
+          </a:bodyPr>
+          <a:lstStyle/>
+          <a:p>
+            <a:pPr marL="742950" indent="-742950">
+              <a:buFont typeface="+mj-lt"/>
+              <a:buAutoNum type="arabicPeriod" startAt="3"/>
+            </a:pPr>
+            <a:r>
+              <a:rPr lang="vi-VN" sz="3600" b="1">
+                <a:solidFill>
+                  <a:srgbClr val="1488DB"/>
+                </a:solidFill>
+                <a:latin typeface="+mn-lt"/>
+              </a:rPr>
+              <a:t>Layout Design Flow</a:t>
+            </a:r>
+            <a:endParaRPr lang="en-US" sz="3600" b="1">
+              <a:solidFill>
+                <a:srgbClr val="1488DB"/>
+              </a:solidFill>
+              <a:latin typeface="+mn-lt"/>
+            </a:endParaRPr>
+          </a:p>
+        </p:txBody>
+      </p:sp>
+      <p:sp>
+        <p:nvSpPr>
+          <p:cNvPr id="5" name="TextBox 4">
+            <a:extLst>
+              <a:ext uri="{FF2B5EF4-FFF2-40B4-BE49-F238E27FC236}">
+                <a16:creationId xmlns:a16="http://schemas.microsoft.com/office/drawing/2014/main" id="{047654F1-66AC-AEB8-0BF2-BD49EE7E00E0}"/>
+              </a:ext>
+            </a:extLst>
+          </p:cNvPr>
+          <p:cNvSpPr txBox="1"/>
+          <p:nvPr/>
+        </p:nvSpPr>
+        <p:spPr>
+          <a:xfrm>
+            <a:off x="163286" y="805543"/>
+            <a:ext cx="11812813" cy="465384"/>
+          </a:xfrm>
+          <a:prstGeom prst="rect">
+            <a:avLst/>
+          </a:prstGeom>
+          <a:noFill/>
+        </p:spPr>
+        <p:txBody>
+          <a:bodyPr wrap="square" lIns="91440" tIns="45720" rIns="91440" bIns="45720" rtlCol="0" anchor="t">
+            <a:spAutoFit/>
+          </a:bodyPr>
+          <a:lstStyle/>
+          <a:p>
+            <a:pPr>
+              <a:lnSpc>
+                <a:spcPct val="150000"/>
+              </a:lnSpc>
+            </a:pPr>
+            <a:r>
+              <a:rPr lang="vi-VN" b="1">
+                <a:latin typeface="Arial"/>
+                <a:cs typeface="Arial"/>
+              </a:rPr>
+              <a:t>Toolbar – Create via</a:t>
+            </a:r>
+          </a:p>
+        </p:txBody>
+      </p:sp>
+      <p:sp>
+        <p:nvSpPr>
+          <p:cNvPr id="7" name="TextBox 6">
+            <a:extLst>
+              <a:ext uri="{FF2B5EF4-FFF2-40B4-BE49-F238E27FC236}">
+                <a16:creationId xmlns:a16="http://schemas.microsoft.com/office/drawing/2014/main" id="{99AA1D5A-9524-7339-70C4-A263C98FC8BC}"/>
+              </a:ext>
+            </a:extLst>
+          </p:cNvPr>
+          <p:cNvSpPr txBox="1"/>
+          <p:nvPr/>
+        </p:nvSpPr>
+        <p:spPr>
+          <a:xfrm>
+            <a:off x="345722" y="1269999"/>
+            <a:ext cx="4375150" cy="2862322"/>
+          </a:xfrm>
+          <a:prstGeom prst="rect">
+            <a:avLst/>
+          </a:prstGeom>
+          <a:noFill/>
+        </p:spPr>
+        <p:txBody>
+          <a:bodyPr rot="0" spcFirstLastPara="0" vertOverflow="overflow" horzOverflow="overflow" vert="horz" wrap="square" lIns="91440" tIns="45720" rIns="91440" bIns="45720" numCol="1" spcCol="0" rtlCol="0" fromWordArt="0" anchor="t" anchorCtr="0" forceAA="0" compatLnSpc="1">
+            <a:prstTxWarp prst="textNoShape">
+              <a:avLst/>
+            </a:prstTxWarp>
+            <a:spAutoFit/>
+          </a:bodyPr>
+          <a:lstStyle/>
+          <a:p>
+            <a:pPr marL="285750" indent="-285750">
+              <a:buFont typeface="Arial"/>
+              <a:buChar char="•"/>
+            </a:pPr>
+            <a:r>
+              <a:rPr lang="en-US"/>
+              <a:t>Press O</a:t>
+            </a:r>
+          </a:p>
+          <a:p>
+            <a:pPr marL="285750" indent="-285750">
+              <a:buFont typeface="Arial"/>
+              <a:buChar char="•"/>
+            </a:pPr>
+            <a:endParaRPr lang="en-US"/>
+          </a:p>
+          <a:p>
+            <a:pPr marL="285750" indent="-285750">
+              <a:buFont typeface="Arial"/>
+              <a:buChar char="•"/>
+            </a:pPr>
+            <a:r>
+              <a:rPr lang="en-US"/>
+              <a:t>Can choose between auto and manual</a:t>
+            </a:r>
+          </a:p>
+          <a:p>
+            <a:pPr marL="285750" indent="-285750">
+              <a:buFont typeface="Arial"/>
+              <a:buChar char="•"/>
+            </a:pPr>
+            <a:endParaRPr lang="en-US"/>
+          </a:p>
+          <a:p>
+            <a:pPr marL="285750" indent="-285750">
+              <a:buFont typeface="Arial"/>
+              <a:buChar char="•"/>
+            </a:pPr>
+            <a:r>
+              <a:rPr lang="en-US"/>
+              <a:t>Nets: enter net name you want to drop via (to avoid short net)</a:t>
+            </a:r>
+          </a:p>
+          <a:p>
+            <a:pPr marL="285750" indent="-285750">
+              <a:buFont typeface="Arial"/>
+              <a:buChar char="•"/>
+            </a:pPr>
+            <a:r>
+              <a:rPr lang="en-US"/>
+              <a:t>Only same net: drop via for only net with same name</a:t>
+            </a:r>
+          </a:p>
+          <a:p>
+            <a:pPr marL="285750" indent="-285750">
+              <a:buFont typeface="Arial"/>
+              <a:buChar char="•"/>
+            </a:pPr>
+            <a:endParaRPr lang="en-US"/>
+          </a:p>
+          <a:p>
+            <a:pPr marL="285750" indent="-285750">
+              <a:buFont typeface="Arial"/>
+              <a:buChar char="•"/>
+            </a:pPr>
+            <a:endParaRPr lang="en-US"/>
+          </a:p>
+        </p:txBody>
+      </p:sp>
+      <p:pic>
+        <p:nvPicPr>
+          <p:cNvPr id="3" name="Picture 2">
+            <a:extLst>
+              <a:ext uri="{FF2B5EF4-FFF2-40B4-BE49-F238E27FC236}">
+                <a16:creationId xmlns:a16="http://schemas.microsoft.com/office/drawing/2014/main" id="{9684F75F-196E-2E5A-11E2-C919A1EBD63E}"/>
+              </a:ext>
+            </a:extLst>
+          </p:cNvPr>
+          <p:cNvPicPr>
+            <a:picLocks noChangeAspect="1"/>
+          </p:cNvPicPr>
+          <p:nvPr/>
+        </p:nvPicPr>
+        <p:blipFill>
+          <a:blip r:embed="rId2"/>
+          <a:stretch>
+            <a:fillRect/>
+          </a:stretch>
+        </p:blipFill>
+        <p:spPr>
+          <a:xfrm>
+            <a:off x="396875" y="1571625"/>
+            <a:ext cx="2762250" cy="285750"/>
+          </a:xfrm>
+          <a:prstGeom prst="rect">
+            <a:avLst/>
+          </a:prstGeom>
+        </p:spPr>
+      </p:pic>
+      <p:pic>
+        <p:nvPicPr>
+          <p:cNvPr id="6" name="Picture 5">
+            <a:extLst>
+              <a:ext uri="{FF2B5EF4-FFF2-40B4-BE49-F238E27FC236}">
+                <a16:creationId xmlns:a16="http://schemas.microsoft.com/office/drawing/2014/main" id="{591D22BB-82F9-13B2-B201-F67810064A9F}"/>
+              </a:ext>
+            </a:extLst>
+          </p:cNvPr>
+          <p:cNvPicPr>
+            <a:picLocks noChangeAspect="1"/>
+          </p:cNvPicPr>
+          <p:nvPr/>
+        </p:nvPicPr>
+        <p:blipFill>
+          <a:blip r:embed="rId3"/>
+          <a:stretch>
+            <a:fillRect/>
+          </a:stretch>
+        </p:blipFill>
+        <p:spPr>
+          <a:xfrm>
+            <a:off x="404813" y="2122488"/>
+            <a:ext cx="9477375" cy="314325"/>
+          </a:xfrm>
+          <a:prstGeom prst="rect">
+            <a:avLst/>
+          </a:prstGeom>
+        </p:spPr>
+      </p:pic>
+      <p:pic>
+        <p:nvPicPr>
+          <p:cNvPr id="9" name="Picture 8" descr="A screenshot of a video game&#10;&#10;AI-generated content may be incorrect.">
+            <a:extLst>
+              <a:ext uri="{FF2B5EF4-FFF2-40B4-BE49-F238E27FC236}">
+                <a16:creationId xmlns:a16="http://schemas.microsoft.com/office/drawing/2014/main" id="{D7637EC5-331B-DE91-94FE-085B4B9D3699}"/>
+              </a:ext>
+            </a:extLst>
+          </p:cNvPr>
+          <p:cNvPicPr>
+            <a:picLocks noChangeAspect="1"/>
+          </p:cNvPicPr>
+          <p:nvPr/>
+        </p:nvPicPr>
+        <p:blipFill>
+          <a:blip r:embed="rId4"/>
+          <a:stretch>
+            <a:fillRect/>
+          </a:stretch>
+        </p:blipFill>
+        <p:spPr>
+          <a:xfrm>
+            <a:off x="406400" y="3594100"/>
+            <a:ext cx="7607300" cy="2222500"/>
+          </a:xfrm>
+          <a:prstGeom prst="rect">
+            <a:avLst/>
+          </a:prstGeom>
+        </p:spPr>
+      </p:pic>
+      <p:sp>
+        <p:nvSpPr>
+          <p:cNvPr id="11" name="TextBox 10">
+            <a:extLst>
+              <a:ext uri="{FF2B5EF4-FFF2-40B4-BE49-F238E27FC236}">
+                <a16:creationId xmlns:a16="http://schemas.microsoft.com/office/drawing/2014/main" id="{037B4EE6-363D-A2B7-4FF1-E232CDA99977}"/>
+              </a:ext>
+            </a:extLst>
+          </p:cNvPr>
+          <p:cNvSpPr txBox="1"/>
+          <p:nvPr/>
+        </p:nvSpPr>
+        <p:spPr>
+          <a:xfrm>
+            <a:off x="2611261" y="3706283"/>
+            <a:ext cx="755650" cy="365760"/>
+          </a:xfrm>
+          <a:prstGeom prst="rect">
+            <a:avLst/>
+          </a:prstGeom>
+          <a:noFill/>
+          <a:ln>
+            <a:noFill/>
+          </a:ln>
+        </p:spPr>
+        <p:txBody>
+          <a:bodyPr rot="0" spcFirstLastPara="0" vertOverflow="overflow" horzOverflow="overflow" vert="horz" wrap="square" lIns="91440" tIns="45720" rIns="91440" bIns="45720" numCol="1" spcCol="0" rtlCol="0" fromWordArt="0" anchor="t" anchorCtr="0" forceAA="0" compatLnSpc="1">
+            <a:prstTxWarp prst="textNoShape">
+              <a:avLst/>
+            </a:prstTxWarp>
+            <a:spAutoFit/>
+          </a:bodyPr>
+          <a:lstStyle/>
+          <a:p>
+            <a:pPr algn="l"/>
+            <a:r>
+              <a:rPr lang="en-US">
+                <a:solidFill>
+                  <a:srgbClr val="FFFF00"/>
+                </a:solidFill>
+              </a:rPr>
+              <a:t>VDD</a:t>
+            </a:r>
+          </a:p>
+        </p:txBody>
+      </p:sp>
+      <p:sp>
+        <p:nvSpPr>
+          <p:cNvPr id="14" name="TextBox 13">
+            <a:extLst>
+              <a:ext uri="{FF2B5EF4-FFF2-40B4-BE49-F238E27FC236}">
+                <a16:creationId xmlns:a16="http://schemas.microsoft.com/office/drawing/2014/main" id="{F3125DB5-1AEF-0E46-242E-D3A9A143F1BF}"/>
+              </a:ext>
+            </a:extLst>
+          </p:cNvPr>
+          <p:cNvSpPr txBox="1"/>
+          <p:nvPr/>
+        </p:nvSpPr>
+        <p:spPr>
+          <a:xfrm>
+            <a:off x="642760" y="4830232"/>
+            <a:ext cx="755650" cy="365760"/>
+          </a:xfrm>
+          <a:prstGeom prst="rect">
+            <a:avLst/>
+          </a:prstGeom>
+          <a:noFill/>
+          <a:ln>
+            <a:noFill/>
+          </a:ln>
+        </p:spPr>
+        <p:txBody>
+          <a:bodyPr rot="0" spcFirstLastPara="0" vertOverflow="overflow" horzOverflow="overflow" vert="horz" wrap="square" lIns="91440" tIns="45720" rIns="91440" bIns="45720" numCol="1" spcCol="0" rtlCol="0" fromWordArt="0" anchor="t" anchorCtr="0" forceAA="0" compatLnSpc="1">
+            <a:prstTxWarp prst="textNoShape">
+              <a:avLst/>
+            </a:prstTxWarp>
+            <a:spAutoFit/>
+          </a:bodyPr>
+          <a:lstStyle/>
+          <a:p>
+            <a:pPr algn="l"/>
+            <a:r>
+              <a:rPr lang="en-US">
+                <a:solidFill>
+                  <a:srgbClr val="FFFF00"/>
+                </a:solidFill>
+              </a:rPr>
+              <a:t>VDD</a:t>
+            </a:r>
+          </a:p>
+        </p:txBody>
+      </p:sp>
+      <p:sp>
+        <p:nvSpPr>
+          <p:cNvPr id="15" name="TextBox 14">
+            <a:extLst>
+              <a:ext uri="{FF2B5EF4-FFF2-40B4-BE49-F238E27FC236}">
+                <a16:creationId xmlns:a16="http://schemas.microsoft.com/office/drawing/2014/main" id="{2D6246CC-D822-AF7B-94E0-C73822C13A05}"/>
+              </a:ext>
+            </a:extLst>
+          </p:cNvPr>
+          <p:cNvSpPr txBox="1"/>
+          <p:nvPr/>
+        </p:nvSpPr>
+        <p:spPr>
+          <a:xfrm>
+            <a:off x="4211460" y="3706282"/>
+            <a:ext cx="755650" cy="365760"/>
+          </a:xfrm>
+          <a:prstGeom prst="rect">
+            <a:avLst/>
+          </a:prstGeom>
+          <a:noFill/>
+          <a:ln>
+            <a:noFill/>
+          </a:ln>
+        </p:spPr>
+        <p:txBody>
+          <a:bodyPr rot="0" spcFirstLastPara="0" vertOverflow="overflow" horzOverflow="overflow" vert="horz" wrap="square" lIns="91440" tIns="45720" rIns="91440" bIns="45720" numCol="1" spcCol="0" rtlCol="0" fromWordArt="0" anchor="t" anchorCtr="0" forceAA="0" compatLnSpc="1">
+            <a:prstTxWarp prst="textNoShape">
+              <a:avLst/>
+            </a:prstTxWarp>
+            <a:spAutoFit/>
+          </a:bodyPr>
+          <a:lstStyle/>
+          <a:p>
+            <a:pPr algn="l"/>
+            <a:r>
+              <a:rPr lang="en-US">
+                <a:solidFill>
+                  <a:srgbClr val="FFFF00"/>
+                </a:solidFill>
+              </a:rPr>
+              <a:t>VDD</a:t>
+            </a:r>
+          </a:p>
+        </p:txBody>
+      </p:sp>
+      <p:sp>
+        <p:nvSpPr>
+          <p:cNvPr id="17" name="TextBox 16">
+            <a:extLst>
+              <a:ext uri="{FF2B5EF4-FFF2-40B4-BE49-F238E27FC236}">
+                <a16:creationId xmlns:a16="http://schemas.microsoft.com/office/drawing/2014/main" id="{A1EBBB08-5BB2-04E3-8188-EFAB9294C3EB}"/>
+              </a:ext>
+            </a:extLst>
+          </p:cNvPr>
+          <p:cNvSpPr txBox="1"/>
+          <p:nvPr/>
+        </p:nvSpPr>
+        <p:spPr>
+          <a:xfrm>
+            <a:off x="5919610" y="3706282"/>
+            <a:ext cx="755650" cy="365760"/>
+          </a:xfrm>
+          <a:prstGeom prst="rect">
+            <a:avLst/>
+          </a:prstGeom>
+          <a:noFill/>
+          <a:ln>
+            <a:noFill/>
+          </a:ln>
+        </p:spPr>
+        <p:txBody>
+          <a:bodyPr rot="0" spcFirstLastPara="0" vertOverflow="overflow" horzOverflow="overflow" vert="horz" wrap="square" lIns="91440" tIns="45720" rIns="91440" bIns="45720" numCol="1" spcCol="0" rtlCol="0" fromWordArt="0" anchor="t" anchorCtr="0" forceAA="0" compatLnSpc="1">
+            <a:prstTxWarp prst="textNoShape">
+              <a:avLst/>
+            </a:prstTxWarp>
+            <a:spAutoFit/>
+          </a:bodyPr>
+          <a:lstStyle/>
+          <a:p>
+            <a:pPr algn="l"/>
+            <a:r>
+              <a:rPr lang="en-US">
+                <a:solidFill>
+                  <a:srgbClr val="FFFF00"/>
+                </a:solidFill>
+              </a:rPr>
+              <a:t>VDD</a:t>
+            </a:r>
+          </a:p>
+        </p:txBody>
+      </p:sp>
+      <p:sp>
+        <p:nvSpPr>
+          <p:cNvPr id="18" name="TextBox 17">
+            <a:extLst>
+              <a:ext uri="{FF2B5EF4-FFF2-40B4-BE49-F238E27FC236}">
+                <a16:creationId xmlns:a16="http://schemas.microsoft.com/office/drawing/2014/main" id="{CD1D0A8F-25B7-8E42-8806-FD1A44E8C611}"/>
+              </a:ext>
+            </a:extLst>
+          </p:cNvPr>
+          <p:cNvSpPr txBox="1"/>
+          <p:nvPr/>
+        </p:nvSpPr>
+        <p:spPr>
+          <a:xfrm>
+            <a:off x="403577" y="5968294"/>
+            <a:ext cx="7607300" cy="369332"/>
+          </a:xfrm>
+          <a:prstGeom prst="rect">
+            <a:avLst/>
+          </a:prstGeom>
+          <a:noFill/>
+        </p:spPr>
+        <p:txBody>
+          <a:bodyPr rot="0" spcFirstLastPara="0" vertOverflow="overflow" horzOverflow="overflow" vert="horz" wrap="square" lIns="91440" tIns="45720" rIns="91440" bIns="45720" numCol="1" spcCol="0" rtlCol="0" fromWordArt="0" anchor="t" anchorCtr="0" forceAA="0" compatLnSpc="1">
+            <a:prstTxWarp prst="textNoShape">
+              <a:avLst/>
+            </a:prstTxWarp>
+            <a:spAutoFit/>
+          </a:bodyPr>
+          <a:lstStyle/>
+          <a:p>
+            <a:pPr algn="ctr"/>
+            <a:r>
+              <a:rPr lang="en-US"/>
+              <a:t>Tool only drop via on interconnect of net VDD</a:t>
+            </a:r>
+          </a:p>
+        </p:txBody>
+      </p:sp>
+    </p:spTree>
+    <p:extLst>
+      <p:ext uri="{BB962C8B-B14F-4D97-AF65-F5344CB8AC3E}">
+        <p14:creationId xmlns:p14="http://schemas.microsoft.com/office/powerpoint/2010/main" val="2511349068"/>
+      </p:ext>
+    </p:extLst>
+  </p:cSld>
+  <p:clrMapOvr>
+    <a:masterClrMapping/>
+  </p:clrMapOvr>
+</p:sld>
+</file>
+
+<file path=ppt/slides/slide21.xml><?xml version="1.0" encoding="utf-8"?>
+<p:sld xmlns:a="http://schemas.openxmlformats.org/drawingml/2006/main" xmlns:r="http://schemas.openxmlformats.org/officeDocument/2006/relationships" xmlns:p="http://schemas.openxmlformats.org/presentationml/2006/main">
+  <p:cSld>
+    <p:spTree>
+      <p:nvGrpSpPr>
+        <p:cNvPr id="1" name="">
+          <a:extLst>
+            <a:ext uri="{FF2B5EF4-FFF2-40B4-BE49-F238E27FC236}">
               <a16:creationId xmlns:a16="http://schemas.microsoft.com/office/drawing/2014/main" id="{E49D55D2-B9ED-10DB-8B34-110E4AC2507C}"/>
             </a:ext>
           </a:extLst>
@@ -16308,7 +16834,7 @@
 </p:sld>
 </file>
 
-<file path=ppt/slides/slide21.xml><?xml version="1.0" encoding="utf-8"?>
+<file path=ppt/slides/slide22.xml><?xml version="1.0" encoding="utf-8"?>
 <p:sld xmlns:a="http://schemas.openxmlformats.org/drawingml/2006/main" xmlns:r="http://schemas.openxmlformats.org/officeDocument/2006/relationships" xmlns:p="http://schemas.openxmlformats.org/presentationml/2006/main">
   <p:cSld>
     <p:spTree>
@@ -16566,7 +17092,7 @@
 </p:sld>
 </file>
 
-<file path=ppt/slides/slide22.xml><?xml version="1.0" encoding="utf-8"?>
+<file path=ppt/slides/slide23.xml><?xml version="1.0" encoding="utf-8"?>
 <p:sld xmlns:a="http://schemas.openxmlformats.org/drawingml/2006/main" xmlns:r="http://schemas.openxmlformats.org/officeDocument/2006/relationships" xmlns:p="http://schemas.openxmlformats.org/presentationml/2006/main">
   <p:cSld>
     <p:spTree>
@@ -17597,7 +18123,7 @@
 </p:sld>
 </file>
 
-<file path=ppt/slides/slide23.xml><?xml version="1.0" encoding="utf-8"?>
+<file path=ppt/slides/slide24.xml><?xml version="1.0" encoding="utf-8"?>
 <p:sld xmlns:a="http://schemas.openxmlformats.org/drawingml/2006/main" xmlns:r="http://schemas.openxmlformats.org/officeDocument/2006/relationships" xmlns:p="http://schemas.openxmlformats.org/presentationml/2006/main">
   <p:cSld>
     <p:spTree>
@@ -17750,7 +18276,7 @@
           <a:p>
             <a:fld id="{C3CDE87B-A7D0-4540-93F7-AB821250ABC8}" type="slidenum">
               <a:rPr lang="en-US" smtClean="0"/>
-              <a:t>23</a:t>
+              <a:t>24</a:t>
             </a:fld>
             <a:endParaRPr lang="en-US"/>
           </a:p>
@@ -21017,6 +21543,505 @@
         <p:cNvPr id="1" name="">
           <a:extLst>
             <a:ext uri="{FF2B5EF4-FFF2-40B4-BE49-F238E27FC236}">
+              <a16:creationId xmlns:a16="http://schemas.microsoft.com/office/drawing/2014/main" id="{1BA76651-FE7C-7FB5-C036-5388B0378A65}"/>
+            </a:ext>
+          </a:extLst>
+        </p:cNvPr>
+        <p:cNvGrpSpPr/>
+        <p:nvPr/>
+      </p:nvGrpSpPr>
+      <p:grpSpPr>
+        <a:xfrm>
+          <a:off x="0" y="0"/>
+          <a:ext cx="0" cy="0"/>
+          <a:chOff x="0" y="0"/>
+          <a:chExt cx="0" cy="0"/>
+        </a:xfrm>
+      </p:grpSpPr>
+      <p:sp>
+        <p:nvSpPr>
+          <p:cNvPr id="2" name="Title 1">
+            <a:extLst>
+              <a:ext uri="{FF2B5EF4-FFF2-40B4-BE49-F238E27FC236}">
+                <a16:creationId xmlns:a16="http://schemas.microsoft.com/office/drawing/2014/main" id="{4337BA51-CC5D-FBE9-05C5-96341C4DA984}"/>
+              </a:ext>
+            </a:extLst>
+          </p:cNvPr>
+          <p:cNvSpPr>
+            <a:spLocks noGrp="1"/>
+          </p:cNvSpPr>
+          <p:nvPr>
+            <p:ph type="title"/>
+          </p:nvPr>
+        </p:nvSpPr>
+        <p:spPr>
+          <a:xfrm>
+            <a:off x="0" y="-211818"/>
+            <a:ext cx="10515600" cy="1325563"/>
+          </a:xfrm>
+        </p:spPr>
+        <p:txBody>
+          <a:bodyPr>
+            <a:normAutofit/>
+          </a:bodyPr>
+          <a:lstStyle/>
+          <a:p>
+            <a:pPr marL="742950" indent="-742950">
+              <a:buFont typeface="+mj-lt"/>
+              <a:buAutoNum type="arabicPeriod" startAt="2"/>
+            </a:pPr>
+            <a:r>
+              <a:rPr lang="vi-VN" sz="3600" b="1">
+                <a:solidFill>
+                  <a:srgbClr val="1488DB"/>
+                </a:solidFill>
+                <a:latin typeface="+mn-lt"/>
+              </a:rPr>
+              <a:t>Circuit Design Flow</a:t>
+            </a:r>
+            <a:endParaRPr lang="en-US" sz="3600" b="1">
+              <a:solidFill>
+                <a:srgbClr val="1488DB"/>
+              </a:solidFill>
+              <a:latin typeface="+mn-lt"/>
+            </a:endParaRPr>
+          </a:p>
+        </p:txBody>
+      </p:sp>
+      <p:sp>
+        <p:nvSpPr>
+          <p:cNvPr id="5" name="TextBox 4">
+            <a:extLst>
+              <a:ext uri="{FF2B5EF4-FFF2-40B4-BE49-F238E27FC236}">
+                <a16:creationId xmlns:a16="http://schemas.microsoft.com/office/drawing/2014/main" id="{D8E37D01-C16F-E57D-507A-7B0A9F53518C}"/>
+              </a:ext>
+            </a:extLst>
+          </p:cNvPr>
+          <p:cNvSpPr txBox="1"/>
+          <p:nvPr/>
+        </p:nvSpPr>
+        <p:spPr>
+          <a:xfrm>
+            <a:off x="163286" y="805543"/>
+            <a:ext cx="4722900" cy="1703030"/>
+          </a:xfrm>
+          <a:prstGeom prst="rect">
+            <a:avLst/>
+          </a:prstGeom>
+          <a:noFill/>
+        </p:spPr>
+        <p:txBody>
+          <a:bodyPr wrap="square" lIns="91440" tIns="45720" rIns="91440" bIns="45720" rtlCol="0" anchor="t">
+            <a:spAutoFit/>
+          </a:bodyPr>
+          <a:lstStyle/>
+          <a:p>
+            <a:pPr>
+              <a:lnSpc>
+                <a:spcPct val="150000"/>
+              </a:lnSpc>
+            </a:pPr>
+            <a:r>
+              <a:rPr lang="vi-VN" b="1" err="1">
+                <a:latin typeface="Arial"/>
+                <a:cs typeface="Arial"/>
+              </a:rPr>
+              <a:t>Schematic</a:t>
+            </a:r>
+            <a:r>
+              <a:rPr lang="vi-VN" b="1">
+                <a:latin typeface="Arial"/>
+                <a:cs typeface="Arial"/>
+              </a:rPr>
+              <a:t> </a:t>
+            </a:r>
+            <a:r>
+              <a:rPr lang="vi-VN" b="1" err="1">
+                <a:latin typeface="Arial"/>
+                <a:cs typeface="Arial"/>
+              </a:rPr>
+              <a:t>Design</a:t>
+            </a:r>
+            <a:endParaRPr lang="vi-VN" b="1">
+              <a:latin typeface="Arial"/>
+              <a:cs typeface="Arial"/>
+            </a:endParaRPr>
+          </a:p>
+          <a:p>
+            <a:pPr>
+              <a:lnSpc>
+                <a:spcPct val="150000"/>
+              </a:lnSpc>
+            </a:pPr>
+            <a:r>
+              <a:rPr lang="vi-VN" err="1">
+                <a:latin typeface="Arial"/>
+                <a:cs typeface="Arial"/>
+              </a:rPr>
+              <a:t>Config</a:t>
+            </a:r>
+            <a:r>
+              <a:rPr lang="vi-VN">
+                <a:latin typeface="Arial"/>
+                <a:cs typeface="Arial"/>
+              </a:rPr>
+              <a:t> the </a:t>
+            </a:r>
+            <a:r>
+              <a:rPr lang="vi-VN" err="1">
+                <a:latin typeface="Arial"/>
+                <a:cs typeface="Arial"/>
+              </a:rPr>
+              <a:t>Primewave</a:t>
+            </a:r>
+            <a:r>
+              <a:rPr lang="vi-VN">
+                <a:latin typeface="Arial"/>
+                <a:cs typeface="Arial"/>
+              </a:rPr>
+              <a:t> </a:t>
+            </a:r>
+            <a:r>
+              <a:rPr lang="vi-VN" err="1">
+                <a:latin typeface="Arial"/>
+                <a:cs typeface="Arial"/>
+              </a:rPr>
+              <a:t>like</a:t>
+            </a:r>
+            <a:r>
+              <a:rPr lang="vi-VN">
+                <a:latin typeface="Arial"/>
+                <a:cs typeface="Arial"/>
+              </a:rPr>
+              <a:t> </a:t>
+            </a:r>
+            <a:r>
+              <a:rPr lang="vi-VN" err="1">
+                <a:latin typeface="Arial"/>
+                <a:cs typeface="Arial"/>
+              </a:rPr>
+              <a:t>as</a:t>
+            </a:r>
+            <a:r>
+              <a:rPr lang="vi-VN">
+                <a:latin typeface="Arial"/>
+                <a:cs typeface="Arial"/>
+              </a:rPr>
+              <a:t> ADE </a:t>
+            </a:r>
+            <a:r>
+              <a:rPr lang="vi-VN" err="1">
+                <a:latin typeface="Arial"/>
+                <a:cs typeface="Arial"/>
+              </a:rPr>
+              <a:t>L's</a:t>
+            </a:r>
+            <a:r>
+              <a:rPr lang="vi-VN">
+                <a:latin typeface="Arial"/>
+                <a:cs typeface="Arial"/>
+              </a:rPr>
+              <a:t> </a:t>
+            </a:r>
+            <a:r>
+              <a:rPr lang="vi-VN" err="1">
+                <a:latin typeface="Arial"/>
+                <a:cs typeface="Arial"/>
+              </a:rPr>
+              <a:t>config</a:t>
+            </a:r>
+            <a:endParaRPr lang="vi-VN">
+              <a:latin typeface="Arial"/>
+              <a:cs typeface="Arial"/>
+            </a:endParaRPr>
+          </a:p>
+          <a:p>
+            <a:pPr>
+              <a:lnSpc>
+                <a:spcPct val="150000"/>
+              </a:lnSpc>
+            </a:pPr>
+            <a:r>
+              <a:rPr lang="vi-VN" err="1">
+                <a:latin typeface="Arial"/>
+                <a:cs typeface="Arial"/>
+              </a:rPr>
+              <a:t>Note</a:t>
+            </a:r>
+            <a:r>
+              <a:rPr lang="vi-VN">
+                <a:latin typeface="Arial"/>
+                <a:cs typeface="Arial"/>
+              </a:rPr>
+              <a:t>: </a:t>
+            </a:r>
+            <a:r>
+              <a:rPr lang="vi-VN" err="1">
+                <a:latin typeface="Arial"/>
+                <a:cs typeface="Arial"/>
+              </a:rPr>
+              <a:t>must</a:t>
+            </a:r>
+            <a:r>
+              <a:rPr lang="vi-VN">
+                <a:latin typeface="Arial"/>
+                <a:cs typeface="Arial"/>
+              </a:rPr>
+              <a:t> </a:t>
+            </a:r>
+            <a:r>
+              <a:rPr lang="vi-VN" err="1">
+                <a:latin typeface="Arial"/>
+                <a:cs typeface="Arial"/>
+              </a:rPr>
+              <a:t>observed</a:t>
+            </a:r>
+            <a:r>
+              <a:rPr lang="vi-VN">
+                <a:latin typeface="Arial"/>
+                <a:cs typeface="Arial"/>
+              </a:rPr>
+              <a:t> the </a:t>
+            </a:r>
+            <a:r>
+              <a:rPr lang="vi-VN" err="1">
+                <a:latin typeface="Arial"/>
+                <a:cs typeface="Arial"/>
+              </a:rPr>
+              <a:t>cell</a:t>
+            </a:r>
+            <a:r>
+              <a:rPr lang="vi-VN">
+                <a:latin typeface="Arial"/>
+                <a:cs typeface="Arial"/>
+              </a:rPr>
+              <a:t> </a:t>
+            </a:r>
+            <a:r>
+              <a:rPr lang="vi-VN" err="1">
+                <a:latin typeface="Arial"/>
+                <a:cs typeface="Arial"/>
+              </a:rPr>
+              <a:t>view</a:t>
+            </a:r>
+            <a:r>
+              <a:rPr lang="vi-VN">
+                <a:latin typeface="Arial"/>
+                <a:cs typeface="Arial"/>
+              </a:rPr>
+              <a:t> </a:t>
+            </a:r>
+            <a:r>
+              <a:rPr lang="vi-VN" err="1">
+                <a:latin typeface="Arial"/>
+                <a:cs typeface="Arial"/>
+              </a:rPr>
+              <a:t>of</a:t>
+            </a:r>
+            <a:r>
+              <a:rPr lang="vi-VN">
+                <a:latin typeface="Arial"/>
+                <a:cs typeface="Arial"/>
+              </a:rPr>
+              <a:t> MOSFET to </a:t>
+            </a:r>
+            <a:r>
+              <a:rPr lang="vi-VN" err="1">
+                <a:latin typeface="Arial"/>
+                <a:cs typeface="Arial"/>
+              </a:rPr>
+              <a:t>config</a:t>
+            </a:r>
+            <a:r>
+              <a:rPr lang="vi-VN">
+                <a:latin typeface="Arial"/>
+                <a:cs typeface="Arial"/>
+              </a:rPr>
+              <a:t> in the </a:t>
+            </a:r>
+            <a:r>
+              <a:rPr lang="vi-VN" err="1">
+                <a:latin typeface="Arial"/>
+                <a:cs typeface="Arial"/>
+              </a:rPr>
+              <a:t>environment</a:t>
+            </a:r>
+            <a:r>
+              <a:rPr lang="vi-VN">
+                <a:latin typeface="Arial"/>
+                <a:cs typeface="Arial"/>
+              </a:rPr>
+              <a:t> </a:t>
+            </a:r>
+            <a:r>
+              <a:rPr lang="vi-VN" err="1">
+                <a:latin typeface="Arial"/>
+                <a:cs typeface="Arial"/>
+              </a:rPr>
+              <a:t>option</a:t>
+            </a:r>
+            <a:endParaRPr lang="vi-VN" err="1">
+              <a:latin typeface="Arial" panose="020B0604020202020204" pitchFamily="34" charset="0"/>
+              <a:cs typeface="Arial" panose="020B0604020202020204" pitchFamily="34" charset="0"/>
+            </a:endParaRPr>
+          </a:p>
+        </p:txBody>
+      </p:sp>
+      <p:pic>
+        <p:nvPicPr>
+          <p:cNvPr id="7" name="Picture 6" descr="A screenshot of a computer&#10;&#10;AI-generated content may be incorrect.">
+            <a:extLst>
+              <a:ext uri="{FF2B5EF4-FFF2-40B4-BE49-F238E27FC236}">
+                <a16:creationId xmlns:a16="http://schemas.microsoft.com/office/drawing/2014/main" id="{5859E247-8CC3-2A52-4F3F-775B4F8A3E0E}"/>
+              </a:ext>
+            </a:extLst>
+          </p:cNvPr>
+          <p:cNvPicPr>
+            <a:picLocks noChangeAspect="1"/>
+          </p:cNvPicPr>
+          <p:nvPr/>
+        </p:nvPicPr>
+        <p:blipFill>
+          <a:blip r:embed="rId2">
+            <a:extLst>
+              <a:ext uri="{28A0092B-C50C-407E-A947-70E740481C1C}">
+                <a14:useLocalDpi xmlns:a14="http://schemas.microsoft.com/office/drawing/2010/main" val="0"/>
+              </a:ext>
+            </a:extLst>
+          </a:blip>
+          <a:stretch>
+            <a:fillRect/>
+          </a:stretch>
+        </p:blipFill>
+        <p:spPr>
+          <a:xfrm>
+            <a:off x="5745923" y="694557"/>
+            <a:ext cx="6178463" cy="2393596"/>
+          </a:xfrm>
+          <a:prstGeom prst="rect">
+            <a:avLst/>
+          </a:prstGeom>
+        </p:spPr>
+      </p:pic>
+      <p:pic>
+        <p:nvPicPr>
+          <p:cNvPr id="10" name="Picture 9" descr="A computer screen shot of a computer&#10;&#10;AI-generated content may be incorrect.">
+            <a:extLst>
+              <a:ext uri="{FF2B5EF4-FFF2-40B4-BE49-F238E27FC236}">
+                <a16:creationId xmlns:a16="http://schemas.microsoft.com/office/drawing/2014/main" id="{A186B98E-390B-6467-8722-EEC5E52EA905}"/>
+              </a:ext>
+            </a:extLst>
+          </p:cNvPr>
+          <p:cNvPicPr>
+            <a:picLocks noChangeAspect="1"/>
+          </p:cNvPicPr>
+          <p:nvPr/>
+        </p:nvPicPr>
+        <p:blipFill>
+          <a:blip r:embed="rId3"/>
+          <a:stretch>
+            <a:fillRect/>
+          </a:stretch>
+        </p:blipFill>
+        <p:spPr>
+          <a:xfrm>
+            <a:off x="239368" y="3688869"/>
+            <a:ext cx="5617265" cy="3168787"/>
+          </a:xfrm>
+          <a:prstGeom prst="rect">
+            <a:avLst/>
+          </a:prstGeom>
+        </p:spPr>
+      </p:pic>
+      <p:sp>
+        <p:nvSpPr>
+          <p:cNvPr id="11" name="TextBox 10">
+            <a:extLst>
+              <a:ext uri="{FF2B5EF4-FFF2-40B4-BE49-F238E27FC236}">
+                <a16:creationId xmlns:a16="http://schemas.microsoft.com/office/drawing/2014/main" id="{B8CFFF44-4F57-AFA3-9603-B1617134F594}"/>
+              </a:ext>
+            </a:extLst>
+          </p:cNvPr>
+          <p:cNvSpPr txBox="1"/>
+          <p:nvPr/>
+        </p:nvSpPr>
+        <p:spPr>
+          <a:xfrm>
+            <a:off x="6095942" y="3320088"/>
+            <a:ext cx="2778181" cy="369332"/>
+          </a:xfrm>
+          <a:prstGeom prst="rect">
+            <a:avLst/>
+          </a:prstGeom>
+          <a:noFill/>
+        </p:spPr>
+        <p:txBody>
+          <a:bodyPr rot="0" spcFirstLastPara="0" vertOverflow="overflow" horzOverflow="overflow" vert="horz" wrap="square" lIns="91440" tIns="45720" rIns="91440" bIns="45720" numCol="1" spcCol="0" rtlCol="0" fromWordArt="0" anchor="t" anchorCtr="0" forceAA="0" compatLnSpc="1">
+            <a:prstTxWarp prst="textNoShape">
+              <a:avLst/>
+            </a:prstTxWarp>
+            <a:spAutoFit/>
+          </a:bodyPr>
+          <a:lstStyle/>
+          <a:p>
+            <a:r>
+              <a:rPr lang="en-US"/>
+              <a:t>Environment option</a:t>
+            </a:r>
+          </a:p>
+        </p:txBody>
+      </p:sp>
+      <p:pic>
+        <p:nvPicPr>
+          <p:cNvPr id="12" name="Picture 11" descr="A screenshot of a computer&#10;&#10;AI-generated content may be incorrect.">
+            <a:extLst>
+              <a:ext uri="{FF2B5EF4-FFF2-40B4-BE49-F238E27FC236}">
+                <a16:creationId xmlns:a16="http://schemas.microsoft.com/office/drawing/2014/main" id="{E11B1052-988F-2D74-D8B4-CE2C0596F5B2}"/>
+              </a:ext>
+            </a:extLst>
+          </p:cNvPr>
+          <p:cNvPicPr>
+            <a:picLocks noChangeAspect="1"/>
+          </p:cNvPicPr>
+          <p:nvPr/>
+        </p:nvPicPr>
+        <p:blipFill>
+          <a:blip r:embed="rId4"/>
+          <a:stretch>
+            <a:fillRect/>
+          </a:stretch>
+        </p:blipFill>
+        <p:spPr>
+          <a:xfrm>
+            <a:off x="6431307" y="3733248"/>
+            <a:ext cx="5314950" cy="3124200"/>
+          </a:xfrm>
+          <a:prstGeom prst="rect">
+            <a:avLst/>
+          </a:prstGeom>
+        </p:spPr>
+      </p:pic>
+    </p:spTree>
+    <p:extLst>
+      <p:ext uri="{BB962C8B-B14F-4D97-AF65-F5344CB8AC3E}">
+        <p14:creationId xmlns:p14="http://schemas.microsoft.com/office/powerpoint/2010/main" val="3780538853"/>
+      </p:ext>
+    </p:extLst>
+  </p:cSld>
+  <p:clrMapOvr>
+    <a:masterClrMapping/>
+  </p:clrMapOvr>
+</p:sld>
+</file>
+
+<file path=ppt/slides/slide9.xml><?xml version="1.0" encoding="utf-8"?>
+<p:sld xmlns:a="http://schemas.openxmlformats.org/drawingml/2006/main" xmlns:r="http://schemas.openxmlformats.org/officeDocument/2006/relationships" xmlns:p="http://schemas.openxmlformats.org/presentationml/2006/main">
+  <p:cSld>
+    <p:spTree>
+      <p:nvGrpSpPr>
+        <p:cNvPr id="1" name="">
+          <a:extLst>
+            <a:ext uri="{FF2B5EF4-FFF2-40B4-BE49-F238E27FC236}">
               <a16:creationId xmlns:a16="http://schemas.microsoft.com/office/drawing/2014/main" id="{F87B6B08-DFEC-709B-97E4-90A1B73A8841}"/>
             </a:ext>
           </a:extLst>
@@ -21105,7 +22130,7 @@
           <a:noFill/>
         </p:spPr>
         <p:txBody>
-          <a:bodyPr wrap="square" rtlCol="0">
+          <a:bodyPr wrap="square" lIns="91440" tIns="45720" rIns="91440" bIns="45720" rtlCol="0" anchor="t">
             <a:spAutoFit/>
           </a:bodyPr>
           <a:lstStyle/>
@@ -21116,11 +22141,25 @@
               </a:lnSpc>
             </a:pPr>
             <a:r>
+              <a:rPr lang="vi-VN" b="1" err="1">
+                <a:latin typeface="Arial"/>
+                <a:cs typeface="Arial"/>
+              </a:rPr>
+              <a:t>Schematic</a:t>
+            </a:r>
+            <a:r>
               <a:rPr lang="vi-VN" b="1">
-                <a:latin typeface="Arial" panose="020B0604020202020204" pitchFamily="34" charset="0"/>
-                <a:cs typeface="Arial" panose="020B0604020202020204" pitchFamily="34" charset="0"/>
+                <a:latin typeface="Arial"/>
+                <a:cs typeface="Arial"/>
               </a:rPr>
-              <a:t>Schematic Design</a:t>
+              <a:t> </a:t>
+            </a:r>
+            <a:r>
+              <a:rPr lang="vi-VN" b="1" err="1">
+                <a:latin typeface="Arial"/>
+                <a:cs typeface="Arial"/>
+              </a:rPr>
+              <a:t>Design</a:t>
             </a:r>
           </a:p>
           <a:p>
@@ -21129,13 +22168,10 @@
                 <a:spcPct val="150000"/>
               </a:lnSpc>
             </a:pPr>
-            <a:r>
-              <a:rPr lang="vi-VN">
-                <a:latin typeface="Arial" panose="020B0604020202020204" pitchFamily="34" charset="0"/>
-                <a:cs typeface="Arial" panose="020B0604020202020204" pitchFamily="34" charset="0"/>
-              </a:rPr>
-              <a:t>Config Primewave to run transient:</a:t>
-            </a:r>
+            <a:endParaRPr lang="vi-VN">
+              <a:latin typeface="Arial" panose="020B0604020202020204" pitchFamily="34" charset="0"/>
+              <a:cs typeface="Arial" panose="020B0604020202020204" pitchFamily="34" charset="0"/>
+            </a:endParaRPr>
           </a:p>
         </p:txBody>
       </p:sp>
@@ -21162,18 +22198,54 @@
           <a:p>
             <a:fld id="{C3CDE87B-A7D0-4540-93F7-AB821250ABC8}" type="slidenum">
               <a:rPr lang="en-US" smtClean="0"/>
-              <a:t>8</a:t>
+              <a:t>9</a:t>
             </a:fld>
+            <a:endParaRPr lang="en-US"/>
+          </a:p>
+        </p:txBody>
+      </p:sp>
+      <p:sp>
+        <p:nvSpPr>
+          <p:cNvPr id="12" name="TextBox 11">
+            <a:extLst>
+              <a:ext uri="{FF2B5EF4-FFF2-40B4-BE49-F238E27FC236}">
+                <a16:creationId xmlns:a16="http://schemas.microsoft.com/office/drawing/2014/main" id="{F209DFA4-756F-438D-C8A3-9DCD0397F64C}"/>
+              </a:ext>
+            </a:extLst>
+          </p:cNvPr>
+          <p:cNvSpPr txBox="1"/>
+          <p:nvPr/>
+        </p:nvSpPr>
+        <p:spPr>
+          <a:xfrm>
+            <a:off x="284764" y="1354878"/>
+            <a:ext cx="4065815" cy="369332"/>
+          </a:xfrm>
+          <a:prstGeom prst="rect">
+            <a:avLst/>
+          </a:prstGeom>
+          <a:noFill/>
+        </p:spPr>
+        <p:txBody>
+          <a:bodyPr wrap="square" rtlCol="0">
+            <a:spAutoFit/>
+          </a:bodyPr>
+          <a:lstStyle/>
+          <a:p>
+            <a:r>
+              <a:rPr lang="vi-VN"/>
+              <a:t>We get the waveform at the output inv</a:t>
+            </a:r>
             <a:endParaRPr lang="en-US"/>
           </a:p>
         </p:txBody>
       </p:sp>
       <p:pic>
         <p:nvPicPr>
-          <p:cNvPr id="11" name="Picture 10" descr="A screenshot of a computer&#10;&#10;AI-generated content may be incorrect.">
-            <a:extLst>
-              <a:ext uri="{FF2B5EF4-FFF2-40B4-BE49-F238E27FC236}">
-                <a16:creationId xmlns:a16="http://schemas.microsoft.com/office/drawing/2014/main" id="{9960221D-7CEC-C896-21F6-06F014AD5904}"/>
+          <p:cNvPr id="16" name="Picture 15" descr="A screenshot of a computer screen&#10;&#10;AI-generated content may be incorrect.">
+            <a:extLst>
+              <a:ext uri="{FF2B5EF4-FFF2-40B4-BE49-F238E27FC236}">
+                <a16:creationId xmlns:a16="http://schemas.microsoft.com/office/drawing/2014/main" id="{C41C8421-4539-B76C-038B-83D7A0C2EAE1}"/>
               </a:ext>
             </a:extLst>
           </p:cNvPr>
@@ -21196,80 +22268,8 @@
         </p:blipFill>
         <p:spPr>
           <a:xfrm>
-            <a:off x="4343400" y="716643"/>
-            <a:ext cx="6112203" cy="2371509"/>
-          </a:xfrm>
-          <a:prstGeom prst="rect">
-            <a:avLst/>
-          </a:prstGeom>
-        </p:spPr>
-      </p:pic>
-      <p:sp>
-        <p:nvSpPr>
-          <p:cNvPr id="12" name="TextBox 11">
-            <a:extLst>
-              <a:ext uri="{FF2B5EF4-FFF2-40B4-BE49-F238E27FC236}">
-                <a16:creationId xmlns:a16="http://schemas.microsoft.com/office/drawing/2014/main" id="{F209DFA4-756F-438D-C8A3-9DCD0397F64C}"/>
-              </a:ext>
-            </a:extLst>
-          </p:cNvPr>
-          <p:cNvSpPr txBox="1"/>
-          <p:nvPr/>
-        </p:nvSpPr>
-        <p:spPr>
-          <a:xfrm>
-            <a:off x="163286" y="3177052"/>
-            <a:ext cx="4065815" cy="369332"/>
-          </a:xfrm>
-          <a:prstGeom prst="rect">
-            <a:avLst/>
-          </a:prstGeom>
-          <a:noFill/>
-        </p:spPr>
-        <p:txBody>
-          <a:bodyPr wrap="square" rtlCol="0">
-            <a:spAutoFit/>
-          </a:bodyPr>
-          <a:lstStyle/>
-          <a:p>
-            <a:r>
-              <a:rPr lang="vi-VN"/>
-              <a:t>We get the waveform at the output inv</a:t>
-            </a:r>
-            <a:endParaRPr lang="en-US"/>
-          </a:p>
-        </p:txBody>
-      </p:sp>
-      <p:pic>
-        <p:nvPicPr>
-          <p:cNvPr id="16" name="Picture 15" descr="A screenshot of a computer screen&#10;&#10;AI-generated content may be incorrect.">
-            <a:extLst>
-              <a:ext uri="{FF2B5EF4-FFF2-40B4-BE49-F238E27FC236}">
-                <a16:creationId xmlns:a16="http://schemas.microsoft.com/office/drawing/2014/main" id="{C41C8421-4539-B76C-038B-83D7A0C2EAE1}"/>
-              </a:ext>
-            </a:extLst>
-          </p:cNvPr>
-          <p:cNvPicPr>
-            <a:picLocks noChangeAspect="1"/>
-          </p:cNvPicPr>
-          <p:nvPr/>
-        </p:nvPicPr>
-        <p:blipFill>
-          <a:blip r:embed="rId3">
-            <a:extLst>
-              <a:ext uri="{28A0092B-C50C-407E-A947-70E740481C1C}">
-                <a14:useLocalDpi xmlns:a14="http://schemas.microsoft.com/office/drawing/2010/main" val="0"/>
-              </a:ext>
-            </a:extLst>
-          </a:blip>
-          <a:stretch>
-            <a:fillRect/>
-          </a:stretch>
-        </p:blipFill>
-        <p:spPr>
-          <a:xfrm>
-            <a:off x="4343400" y="3229878"/>
-            <a:ext cx="7010400" cy="3431793"/>
+            <a:off x="1549400" y="1871531"/>
+            <a:ext cx="8225182" cy="4061270"/>
           </a:xfrm>
           <a:prstGeom prst="rect">
             <a:avLst/>
@@ -21280,348 +22280,6 @@
     <p:extLst>
       <p:ext uri="{BB962C8B-B14F-4D97-AF65-F5344CB8AC3E}">
         <p14:creationId xmlns:p14="http://schemas.microsoft.com/office/powerpoint/2010/main" val="3570789968"/>
-      </p:ext>
-    </p:extLst>
-  </p:cSld>
-  <p:clrMapOvr>
-    <a:masterClrMapping/>
-  </p:clrMapOvr>
-</p:sld>
-</file>
-
-<file path=ppt/slides/slide9.xml><?xml version="1.0" encoding="utf-8"?>
-<p:sld xmlns:a="http://schemas.openxmlformats.org/drawingml/2006/main" xmlns:r="http://schemas.openxmlformats.org/officeDocument/2006/relationships" xmlns:p="http://schemas.openxmlformats.org/presentationml/2006/main">
-  <p:cSld>
-    <p:spTree>
-      <p:nvGrpSpPr>
-        <p:cNvPr id="1" name="">
-          <a:extLst>
-            <a:ext uri="{FF2B5EF4-FFF2-40B4-BE49-F238E27FC236}">
-              <a16:creationId xmlns:a16="http://schemas.microsoft.com/office/drawing/2014/main" id="{AA2C4195-F73E-886E-AA68-E4A7123EDEC4}"/>
-            </a:ext>
-          </a:extLst>
-        </p:cNvPr>
-        <p:cNvGrpSpPr/>
-        <p:nvPr/>
-      </p:nvGrpSpPr>
-      <p:grpSpPr>
-        <a:xfrm>
-          <a:off x="0" y="0"/>
-          <a:ext cx="0" cy="0"/>
-          <a:chOff x="0" y="0"/>
-          <a:chExt cx="0" cy="0"/>
-        </a:xfrm>
-      </p:grpSpPr>
-      <p:sp>
-        <p:nvSpPr>
-          <p:cNvPr id="2" name="Title 1">
-            <a:extLst>
-              <a:ext uri="{FF2B5EF4-FFF2-40B4-BE49-F238E27FC236}">
-                <a16:creationId xmlns:a16="http://schemas.microsoft.com/office/drawing/2014/main" id="{AC9EF7EC-7121-D207-BD5E-F5D1B1F849AC}"/>
-              </a:ext>
-            </a:extLst>
-          </p:cNvPr>
-          <p:cNvSpPr>
-            <a:spLocks noGrp="1"/>
-          </p:cNvSpPr>
-          <p:nvPr>
-            <p:ph type="title"/>
-          </p:nvPr>
-        </p:nvSpPr>
-        <p:spPr>
-          <a:xfrm>
-            <a:off x="0" y="-211818"/>
-            <a:ext cx="10515600" cy="1325563"/>
-          </a:xfrm>
-        </p:spPr>
-        <p:txBody>
-          <a:bodyPr>
-            <a:normAutofit/>
-          </a:bodyPr>
-          <a:lstStyle/>
-          <a:p>
-            <a:pPr marL="742950" indent="-742950">
-              <a:buFont typeface="+mj-lt"/>
-              <a:buAutoNum type="arabicPeriod" startAt="3"/>
-            </a:pPr>
-            <a:r>
-              <a:rPr lang="vi-VN" sz="3600" b="1">
-                <a:solidFill>
-                  <a:srgbClr val="1488DB"/>
-                </a:solidFill>
-                <a:latin typeface="+mn-lt"/>
-              </a:rPr>
-              <a:t>Layout Design Flow</a:t>
-            </a:r>
-            <a:endParaRPr lang="en-US" sz="3600" b="1">
-              <a:solidFill>
-                <a:srgbClr val="1488DB"/>
-              </a:solidFill>
-              <a:latin typeface="+mn-lt"/>
-            </a:endParaRPr>
-          </a:p>
-        </p:txBody>
-      </p:sp>
-      <p:sp>
-        <p:nvSpPr>
-          <p:cNvPr id="5" name="TextBox 4">
-            <a:extLst>
-              <a:ext uri="{FF2B5EF4-FFF2-40B4-BE49-F238E27FC236}">
-                <a16:creationId xmlns:a16="http://schemas.microsoft.com/office/drawing/2014/main" id="{A02EC4E2-0D64-ECDD-8DAE-4CC7ED700BBB}"/>
-              </a:ext>
-            </a:extLst>
-          </p:cNvPr>
-          <p:cNvSpPr txBox="1"/>
-          <p:nvPr/>
-        </p:nvSpPr>
-        <p:spPr>
-          <a:xfrm>
-            <a:off x="163286" y="805543"/>
-            <a:ext cx="11812813" cy="872034"/>
-          </a:xfrm>
-          <a:prstGeom prst="rect">
-            <a:avLst/>
-          </a:prstGeom>
-          <a:noFill/>
-        </p:spPr>
-        <p:txBody>
-          <a:bodyPr wrap="square" rtlCol="0">
-            <a:spAutoFit/>
-          </a:bodyPr>
-          <a:lstStyle/>
-          <a:p>
-            <a:pPr>
-              <a:lnSpc>
-                <a:spcPct val="150000"/>
-              </a:lnSpc>
-            </a:pPr>
-            <a:r>
-              <a:rPr lang="vi-VN" b="1">
-                <a:latin typeface="Arial" panose="020B0604020202020204" pitchFamily="34" charset="0"/>
-                <a:cs typeface="Arial" panose="020B0604020202020204" pitchFamily="34" charset="0"/>
-              </a:rPr>
-              <a:t>Layout Design</a:t>
-            </a:r>
-          </a:p>
-          <a:p>
-            <a:pPr>
-              <a:lnSpc>
-                <a:spcPct val="150000"/>
-              </a:lnSpc>
-            </a:pPr>
-            <a:r>
-              <a:rPr lang="vi-VN">
-                <a:latin typeface="Arial" panose="020B0604020202020204" pitchFamily="34" charset="0"/>
-                <a:cs typeface="Arial" panose="020B0604020202020204" pitchFamily="34" charset="0"/>
-              </a:rPr>
-              <a:t>After create the schematic of a cell, choose Tools → SDL to generate the layout view</a:t>
-            </a:r>
-          </a:p>
-        </p:txBody>
-      </p:sp>
-      <p:sp>
-        <p:nvSpPr>
-          <p:cNvPr id="3" name="Slide Number Placeholder 2">
-            <a:extLst>
-              <a:ext uri="{FF2B5EF4-FFF2-40B4-BE49-F238E27FC236}">
-                <a16:creationId xmlns:a16="http://schemas.microsoft.com/office/drawing/2014/main" id="{4C6F42B3-54FC-621B-ADAB-C731B9C9FD04}"/>
-              </a:ext>
-            </a:extLst>
-          </p:cNvPr>
-          <p:cNvSpPr>
-            <a:spLocks noGrp="1"/>
-          </p:cNvSpPr>
-          <p:nvPr>
-            <p:ph type="sldNum" sz="quarter" idx="12"/>
-          </p:nvPr>
-        </p:nvSpPr>
-        <p:spPr/>
-        <p:txBody>
-          <a:bodyPr/>
-          <a:lstStyle/>
-          <a:p>
-            <a:fld id="{C3CDE87B-A7D0-4540-93F7-AB821250ABC8}" type="slidenum">
-              <a:rPr lang="en-US" smtClean="0"/>
-              <a:t>9</a:t>
-            </a:fld>
-            <a:endParaRPr lang="en-US"/>
-          </a:p>
-        </p:txBody>
-      </p:sp>
-      <p:pic>
-        <p:nvPicPr>
-          <p:cNvPr id="9" name="Picture 8" descr="A computer screen shot of a computer program&#10;&#10;AI-generated content may be incorrect.">
-            <a:extLst>
-              <a:ext uri="{FF2B5EF4-FFF2-40B4-BE49-F238E27FC236}">
-                <a16:creationId xmlns:a16="http://schemas.microsoft.com/office/drawing/2014/main" id="{7DB58EB1-552D-4088-0A4F-6F1789D6272A}"/>
-              </a:ext>
-            </a:extLst>
-          </p:cNvPr>
-          <p:cNvPicPr>
-            <a:picLocks noChangeAspect="1"/>
-          </p:cNvPicPr>
-          <p:nvPr/>
-        </p:nvPicPr>
-        <p:blipFill>
-          <a:blip r:embed="rId2">
-            <a:extLst>
-              <a:ext uri="{28A0092B-C50C-407E-A947-70E740481C1C}">
-                <a14:useLocalDpi xmlns:a14="http://schemas.microsoft.com/office/drawing/2010/main" val="0"/>
-              </a:ext>
-            </a:extLst>
-          </a:blip>
-          <a:stretch>
-            <a:fillRect/>
-          </a:stretch>
-        </p:blipFill>
-        <p:spPr>
-          <a:xfrm>
-            <a:off x="254000" y="1762125"/>
-            <a:ext cx="5294972" cy="3876676"/>
-          </a:xfrm>
-          <a:prstGeom prst="rect">
-            <a:avLst/>
-          </a:prstGeom>
-        </p:spPr>
-      </p:pic>
-      <p:sp>
-        <p:nvSpPr>
-          <p:cNvPr id="10" name="Rectangle: Rounded Corners 9">
-            <a:extLst>
-              <a:ext uri="{FF2B5EF4-FFF2-40B4-BE49-F238E27FC236}">
-                <a16:creationId xmlns:a16="http://schemas.microsoft.com/office/drawing/2014/main" id="{9D574E83-C9D3-AFA2-D11C-C89C95E0389E}"/>
-              </a:ext>
-            </a:extLst>
-          </p:cNvPr>
-          <p:cNvSpPr/>
-          <p:nvPr/>
-        </p:nvSpPr>
-        <p:spPr>
-          <a:xfrm>
-            <a:off x="254000" y="2694938"/>
-            <a:ext cx="1299754" cy="212854"/>
-          </a:xfrm>
-          <a:prstGeom prst="roundRect">
-            <a:avLst/>
-          </a:prstGeom>
-          <a:noFill/>
-          <a:ln w="38100">
-            <a:solidFill>
-              <a:srgbClr val="FFC000"/>
-            </a:solidFill>
-          </a:ln>
-        </p:spPr>
-        <p:style>
-          <a:lnRef idx="2">
-            <a:schemeClr val="accent1">
-              <a:shade val="15000"/>
-            </a:schemeClr>
-          </a:lnRef>
-          <a:fillRef idx="1">
-            <a:schemeClr val="accent1"/>
-          </a:fillRef>
-          <a:effectRef idx="0">
-            <a:schemeClr val="accent1"/>
-          </a:effectRef>
-          <a:fontRef idx="minor">
-            <a:schemeClr val="lt1"/>
-          </a:fontRef>
-        </p:style>
-        <p:txBody>
-          <a:bodyPr rtlCol="0" anchor="ctr"/>
-          <a:lstStyle/>
-          <a:p>
-            <a:pPr algn="ctr"/>
-            <a:endParaRPr lang="en-US"/>
-          </a:p>
-        </p:txBody>
-      </p:sp>
-      <p:sp>
-        <p:nvSpPr>
-          <p:cNvPr id="13" name="Arrow: Right 12">
-            <a:extLst>
-              <a:ext uri="{FF2B5EF4-FFF2-40B4-BE49-F238E27FC236}">
-                <a16:creationId xmlns:a16="http://schemas.microsoft.com/office/drawing/2014/main" id="{BB4C6F8E-D164-5A10-7B3E-1918F91D7E3A}"/>
-              </a:ext>
-            </a:extLst>
-          </p:cNvPr>
-          <p:cNvSpPr/>
-          <p:nvPr/>
-        </p:nvSpPr>
-        <p:spPr>
-          <a:xfrm>
-            <a:off x="5806955" y="3144929"/>
-            <a:ext cx="768096" cy="872034"/>
-          </a:xfrm>
-          <a:prstGeom prst="rightArrow">
-            <a:avLst/>
-          </a:prstGeom>
-        </p:spPr>
-        <p:style>
-          <a:lnRef idx="2">
-            <a:schemeClr val="accent1">
-              <a:shade val="15000"/>
-            </a:schemeClr>
-          </a:lnRef>
-          <a:fillRef idx="1">
-            <a:schemeClr val="accent1"/>
-          </a:fillRef>
-          <a:effectRef idx="0">
-            <a:schemeClr val="accent1"/>
-          </a:effectRef>
-          <a:fontRef idx="minor">
-            <a:schemeClr val="lt1"/>
-          </a:fontRef>
-        </p:style>
-        <p:txBody>
-          <a:bodyPr rtlCol="0" anchor="ctr"/>
-          <a:lstStyle/>
-          <a:p>
-            <a:pPr algn="ctr"/>
-            <a:endParaRPr lang="en-US"/>
-          </a:p>
-        </p:txBody>
-      </p:sp>
-      <p:pic>
-        <p:nvPicPr>
-          <p:cNvPr id="18" name="Picture 17" descr="A computer screen shot of a black screen&#10;&#10;AI-generated content may be incorrect.">
-            <a:extLst>
-              <a:ext uri="{FF2B5EF4-FFF2-40B4-BE49-F238E27FC236}">
-                <a16:creationId xmlns:a16="http://schemas.microsoft.com/office/drawing/2014/main" id="{F6B113B2-9BEF-607B-2F4C-154E9E3122DF}"/>
-              </a:ext>
-            </a:extLst>
-          </p:cNvPr>
-          <p:cNvPicPr>
-            <a:picLocks noChangeAspect="1"/>
-          </p:cNvPicPr>
-          <p:nvPr/>
-        </p:nvPicPr>
-        <p:blipFill>
-          <a:blip r:embed="rId3">
-            <a:extLst>
-              <a:ext uri="{28A0092B-C50C-407E-A947-70E740481C1C}">
-                <a14:useLocalDpi xmlns:a14="http://schemas.microsoft.com/office/drawing/2010/main" val="0"/>
-              </a:ext>
-            </a:extLst>
-          </a:blip>
-          <a:stretch>
-            <a:fillRect/>
-          </a:stretch>
-        </p:blipFill>
-        <p:spPr>
-          <a:xfrm>
-            <a:off x="6833035" y="1762429"/>
-            <a:ext cx="4816658" cy="3876372"/>
-          </a:xfrm>
-          <a:prstGeom prst="rect">
-            <a:avLst/>
-          </a:prstGeom>
-        </p:spPr>
-      </p:pic>
-    </p:spTree>
-    <p:extLst>
-      <p:ext uri="{BB962C8B-B14F-4D97-AF65-F5344CB8AC3E}">
-        <p14:creationId xmlns:p14="http://schemas.microsoft.com/office/powerpoint/2010/main" val="3177741533"/>
       </p:ext>
     </p:extLst>
   </p:cSld>
